--- a/NaiveBayes.pptx
+++ b/NaiveBayes.pptx
@@ -5,7 +5,7 @@
     <p:sldMasterId id="2147483648" r:id="rId1"/>
   </p:sldMasterIdLst>
   <p:notesMasterIdLst>
-    <p:notesMasterId r:id="rId17"/>
+    <p:notesMasterId r:id="rId20"/>
   </p:notesMasterIdLst>
   <p:sldIdLst>
     <p:sldId id="260" r:id="rId2"/>
@@ -16,13 +16,16 @@
     <p:sldId id="272" r:id="rId7"/>
     <p:sldId id="268" r:id="rId8"/>
     <p:sldId id="274" r:id="rId9"/>
-    <p:sldId id="275" r:id="rId10"/>
-    <p:sldId id="276" r:id="rId11"/>
-    <p:sldId id="277" r:id="rId12"/>
-    <p:sldId id="279" r:id="rId13"/>
-    <p:sldId id="278" r:id="rId14"/>
-    <p:sldId id="271" r:id="rId15"/>
-    <p:sldId id="261" r:id="rId16"/>
+    <p:sldId id="282" r:id="rId10"/>
+    <p:sldId id="275" r:id="rId11"/>
+    <p:sldId id="276" r:id="rId12"/>
+    <p:sldId id="281" r:id="rId13"/>
+    <p:sldId id="280" r:id="rId14"/>
+    <p:sldId id="277" r:id="rId15"/>
+    <p:sldId id="279" r:id="rId16"/>
+    <p:sldId id="278" r:id="rId17"/>
+    <p:sldId id="271" r:id="rId18"/>
+    <p:sldId id="261" r:id="rId19"/>
   </p:sldIdLst>
   <p:sldSz cx="12192000" cy="6858000"/>
   <p:notesSz cx="6858000" cy="9144000"/>
@@ -6315,7 +6318,7 @@
           <a:p>
             <a:fld id="{43CB2211-52D0-4B85-A478-AB8408D75973}" type="datetimeFigureOut">
               <a:rPr lang="en-DE" smtClean="0"/>
-              <a:t>02/06/2023</a:t>
+              <a:t>04/06/2023</a:t>
             </a:fld>
             <a:endParaRPr lang="en-DE"/>
           </a:p>
@@ -6706,6 +6709,194 @@
 </p:notes>
 </file>
 
+<file path=ppt/notesSlides/notesSlide10.xml><?xml version="1.0" encoding="utf-8"?>
+<p:notes xmlns:a="http://schemas.openxmlformats.org/drawingml/2006/main" xmlns:r="http://schemas.openxmlformats.org/officeDocument/2006/relationships" xmlns:p="http://schemas.openxmlformats.org/presentationml/2006/main">
+  <p:cSld>
+    <p:spTree>
+      <p:nvGrpSpPr>
+        <p:cNvPr id="1" name=""/>
+        <p:cNvGrpSpPr/>
+        <p:nvPr/>
+      </p:nvGrpSpPr>
+      <p:grpSpPr>
+        <a:xfrm>
+          <a:off x="0" y="0"/>
+          <a:ext cx="0" cy="0"/>
+          <a:chOff x="0" y="0"/>
+          <a:chExt cx="0" cy="0"/>
+        </a:xfrm>
+      </p:grpSpPr>
+      <p:sp>
+        <p:nvSpPr>
+          <p:cNvPr id="2" name="Slide Image Placeholder 1"/>
+          <p:cNvSpPr>
+            <a:spLocks noGrp="1" noRot="1" noChangeAspect="1"/>
+          </p:cNvSpPr>
+          <p:nvPr>
+            <p:ph type="sldImg"/>
+          </p:nvPr>
+        </p:nvSpPr>
+        <p:spPr/>
+      </p:sp>
+      <p:sp>
+        <p:nvSpPr>
+          <p:cNvPr id="3" name="Notes Placeholder 2"/>
+          <p:cNvSpPr>
+            <a:spLocks noGrp="1"/>
+          </p:cNvSpPr>
+          <p:nvPr>
+            <p:ph type="body" idx="1"/>
+          </p:nvPr>
+        </p:nvSpPr>
+        <p:spPr/>
+        <p:txBody>
+          <a:bodyPr/>
+          <a:lstStyle/>
+          <a:p>
+            <a:r>
+              <a:rPr lang="en-GB" b="0" i="0" dirty="0">
+                <a:solidFill>
+                  <a:srgbClr val="3D3B49"/>
+                </a:solidFill>
+                <a:effectLst/>
+                <a:latin typeface="Noto serif" panose="02020600060500020200" pitchFamily="18" charset="0"/>
+              </a:rPr>
+              <a:t>we will look at the Naïve Bayes classifiers and how they are used to solve the classification problems</a:t>
+            </a:r>
+            <a:endParaRPr lang="en-DE" dirty="0"/>
+          </a:p>
+        </p:txBody>
+      </p:sp>
+      <p:sp>
+        <p:nvSpPr>
+          <p:cNvPr id="4" name="Slide Number Placeholder 3"/>
+          <p:cNvSpPr>
+            <a:spLocks noGrp="1"/>
+          </p:cNvSpPr>
+          <p:nvPr>
+            <p:ph type="sldNum" sz="quarter" idx="5"/>
+          </p:nvPr>
+        </p:nvSpPr>
+        <p:spPr/>
+        <p:txBody>
+          <a:bodyPr/>
+          <a:lstStyle/>
+          <a:p>
+            <a:fld id="{3DA2775C-8C96-4BD1-ABF1-80130B631F8F}" type="slidenum">
+              <a:rPr lang="en-DE" smtClean="0"/>
+              <a:t>15</a:t>
+            </a:fld>
+            <a:endParaRPr lang="en-DE"/>
+          </a:p>
+        </p:txBody>
+      </p:sp>
+    </p:spTree>
+    <p:extLst>
+      <p:ext uri="{BB962C8B-B14F-4D97-AF65-F5344CB8AC3E}">
+        <p14:creationId xmlns:p14="http://schemas.microsoft.com/office/powerpoint/2010/main" val="2303833855"/>
+      </p:ext>
+    </p:extLst>
+  </p:cSld>
+  <p:clrMapOvr>
+    <a:masterClrMapping/>
+  </p:clrMapOvr>
+</p:notes>
+</file>
+
+<file path=ppt/notesSlides/notesSlide11.xml><?xml version="1.0" encoding="utf-8"?>
+<p:notes xmlns:a="http://schemas.openxmlformats.org/drawingml/2006/main" xmlns:r="http://schemas.openxmlformats.org/officeDocument/2006/relationships" xmlns:p="http://schemas.openxmlformats.org/presentationml/2006/main">
+  <p:cSld>
+    <p:spTree>
+      <p:nvGrpSpPr>
+        <p:cNvPr id="1" name=""/>
+        <p:cNvGrpSpPr/>
+        <p:nvPr/>
+      </p:nvGrpSpPr>
+      <p:grpSpPr>
+        <a:xfrm>
+          <a:off x="0" y="0"/>
+          <a:ext cx="0" cy="0"/>
+          <a:chOff x="0" y="0"/>
+          <a:chExt cx="0" cy="0"/>
+        </a:xfrm>
+      </p:grpSpPr>
+      <p:sp>
+        <p:nvSpPr>
+          <p:cNvPr id="2" name="Slide Image Placeholder 1"/>
+          <p:cNvSpPr>
+            <a:spLocks noGrp="1" noRot="1" noChangeAspect="1"/>
+          </p:cNvSpPr>
+          <p:nvPr>
+            <p:ph type="sldImg"/>
+          </p:nvPr>
+        </p:nvSpPr>
+        <p:spPr/>
+      </p:sp>
+      <p:sp>
+        <p:nvSpPr>
+          <p:cNvPr id="3" name="Notes Placeholder 2"/>
+          <p:cNvSpPr>
+            <a:spLocks noGrp="1"/>
+          </p:cNvSpPr>
+          <p:nvPr>
+            <p:ph type="body" idx="1"/>
+          </p:nvPr>
+        </p:nvSpPr>
+        <p:spPr/>
+        <p:txBody>
+          <a:bodyPr/>
+          <a:lstStyle/>
+          <a:p>
+            <a:r>
+              <a:rPr lang="en-GB" b="0" i="0" dirty="0">
+                <a:solidFill>
+                  <a:srgbClr val="3D3B49"/>
+                </a:solidFill>
+                <a:effectLst/>
+                <a:latin typeface="Noto serif" panose="02020600060500020200" pitchFamily="18" charset="0"/>
+              </a:rPr>
+              <a:t>we will look at the Naïve Bayes classifiers and how they are used to solve the classification problems</a:t>
+            </a:r>
+            <a:endParaRPr lang="en-DE" dirty="0"/>
+          </a:p>
+        </p:txBody>
+      </p:sp>
+      <p:sp>
+        <p:nvSpPr>
+          <p:cNvPr id="4" name="Slide Number Placeholder 3"/>
+          <p:cNvSpPr>
+            <a:spLocks noGrp="1"/>
+          </p:cNvSpPr>
+          <p:nvPr>
+            <p:ph type="sldNum" sz="quarter" idx="5"/>
+          </p:nvPr>
+        </p:nvSpPr>
+        <p:spPr/>
+        <p:txBody>
+          <a:bodyPr/>
+          <a:lstStyle/>
+          <a:p>
+            <a:fld id="{3DA2775C-8C96-4BD1-ABF1-80130B631F8F}" type="slidenum">
+              <a:rPr lang="en-DE" smtClean="0"/>
+              <a:t>16</a:t>
+            </a:fld>
+            <a:endParaRPr lang="en-DE"/>
+          </a:p>
+        </p:txBody>
+      </p:sp>
+    </p:spTree>
+    <p:extLst>
+      <p:ext uri="{BB962C8B-B14F-4D97-AF65-F5344CB8AC3E}">
+        <p14:creationId xmlns:p14="http://schemas.microsoft.com/office/powerpoint/2010/main" val="3819556433"/>
+      </p:ext>
+    </p:extLst>
+  </p:cSld>
+  <p:clrMapOvr>
+    <a:masterClrMapping/>
+  </p:clrMapOvr>
+</p:notes>
+</file>
+
 <file path=ppt/notesSlides/notesSlide2.xml><?xml version="1.0" encoding="utf-8"?>
 <p:notes xmlns:a="http://schemas.openxmlformats.org/drawingml/2006/main" xmlns:r="http://schemas.openxmlformats.org/officeDocument/2006/relationships" xmlns:p="http://schemas.openxmlformats.org/presentationml/2006/main">
   <p:cSld>
@@ -6759,6 +6950,70 @@
                 <a:latin typeface="Noto serif" panose="02020600060500020200" pitchFamily="18" charset="0"/>
               </a:rPr>
               <a:t>In order to apply Naïve Bayes to predict an overall outcome, we would run the formula for every outcome</a:t>
+            </a:r>
+          </a:p>
+          <a:p>
+            <a:r>
+              <a:rPr lang="en-GB" b="0" i="0" dirty="0">
+                <a:solidFill>
+                  <a:srgbClr val="3D3B49"/>
+                </a:solidFill>
+                <a:effectLst/>
+                <a:latin typeface="Noto serif" panose="02020600060500020200" pitchFamily="18" charset="0"/>
+              </a:rPr>
+              <a:t>-I</a:t>
+            </a:r>
+            <a:r>
+              <a:rPr lang="en-GB" b="0" i="0" dirty="0">
+                <a:solidFill>
+                  <a:srgbClr val="161616"/>
+                </a:solidFill>
+                <a:effectLst/>
+                <a:latin typeface="IBM Plex Sans" panose="020B0604020202020204" pitchFamily="34" charset="0"/>
+              </a:rPr>
+              <a:t>t also assumes that all features contribute equally to the outcome</a:t>
+            </a:r>
+          </a:p>
+          <a:p>
+            <a:pPr marL="171450" indent="-171450">
+              <a:buFontTx/>
+              <a:buChar char="-"/>
+            </a:pPr>
+            <a:r>
+              <a:rPr lang="en-GB" b="0" i="0" dirty="0">
+                <a:solidFill>
+                  <a:srgbClr val="161616"/>
+                </a:solidFill>
+                <a:effectLst/>
+                <a:latin typeface="IBM Plex Sans" panose="020B0604020202020204" pitchFamily="34" charset="0"/>
+              </a:rPr>
+              <a:t>The </a:t>
+            </a:r>
+            <a:r>
+              <a:rPr lang="en-GB" b="0" i="0" dirty="0">
+                <a:solidFill>
+                  <a:srgbClr val="161616"/>
+                </a:solidFill>
+                <a:effectLst/>
+                <a:latin typeface="IBM Plex Sans" panose="020B0503050203000203" pitchFamily="34" charset="0"/>
+              </a:rPr>
+              <a:t>algorithm performs well, particularly with small sample sizes</a:t>
+            </a:r>
+          </a:p>
+          <a:p>
+            <a:pPr marL="171450" indent="-171450">
+              <a:buFontTx/>
+              <a:buChar char="-"/>
+            </a:pPr>
+            <a:r>
+              <a:rPr lang="en-GB" b="0" i="0" dirty="0">
+                <a:solidFill>
+                  <a:srgbClr val="161616"/>
+                </a:solidFill>
+                <a:effectLst/>
+                <a:latin typeface="IBM Plex Sans" panose="020B0503050203000203" pitchFamily="34" charset="0"/>
+              </a:rPr>
+              <a:t>There are different types of classifiers based on the distributions of the feature values.</a:t>
             </a:r>
             <a:endParaRPr lang="en-DE" dirty="0"/>
           </a:p>
@@ -6948,7 +7203,26 @@
               </a:rPr>
               <a:t>we will look at the Naïve Bayes classifiers and how they are used to solve the classification problems</a:t>
             </a:r>
-            <a:endParaRPr lang="en-DE" dirty="0"/>
+          </a:p>
+          <a:p>
+            <a:pPr fontAlgn="base"/>
+            <a:r>
+              <a:rPr lang="en-GB" b="0" i="0" dirty="0">
+                <a:solidFill>
+                  <a:srgbClr val="3D3B49"/>
+                </a:solidFill>
+                <a:effectLst/>
+                <a:latin typeface="Noto serif" panose="02020600060500020200" pitchFamily="18" charset="0"/>
+              </a:rPr>
+              <a:t>-</a:t>
+            </a:r>
+            <a:r>
+              <a:rPr lang="en-GB" dirty="0">
+                <a:effectLst/>
+                <a:latin typeface="inherit"/>
+              </a:rPr>
+              <a:t>The accuracy of the learning algorithm based on the training dataset is then evaluated based on the performance of the test dataset.  </a:t>
+            </a:r>
           </a:p>
         </p:txBody>
       </p:sp>
@@ -6978,7 +7252,7 @@
     </p:spTree>
     <p:extLst>
       <p:ext uri="{BB962C8B-B14F-4D97-AF65-F5344CB8AC3E}">
-        <p14:creationId xmlns:p14="http://schemas.microsoft.com/office/powerpoint/2010/main" val="1392798566"/>
+        <p14:creationId xmlns:p14="http://schemas.microsoft.com/office/powerpoint/2010/main" val="1473279889"/>
       </p:ext>
     </p:extLst>
   </p:cSld>
@@ -7072,7 +7346,7 @@
     </p:spTree>
     <p:extLst>
       <p:ext uri="{BB962C8B-B14F-4D97-AF65-F5344CB8AC3E}">
-        <p14:creationId xmlns:p14="http://schemas.microsoft.com/office/powerpoint/2010/main" val="501658425"/>
+        <p14:creationId xmlns:p14="http://schemas.microsoft.com/office/powerpoint/2010/main" val="1392798566"/>
       </p:ext>
     </p:extLst>
   </p:cSld>
@@ -7127,15 +7401,14 @@
           <a:lstStyle/>
           <a:p>
             <a:r>
-              <a:rPr lang="en-US" sz="1200" b="1" kern="1200" dirty="0" err="1">
+              <a:rPr lang="en-GB" b="0" i="0" dirty="0">
                 <a:solidFill>
-                  <a:schemeClr val="tx1"/>
+                  <a:srgbClr val="3D3B49"/>
                 </a:solidFill>
-                <a:latin typeface="+mj-lt"/>
-                <a:ea typeface="+mj-ea"/>
-                <a:cs typeface="+mj-cs"/>
+                <a:effectLst/>
+                <a:latin typeface="Noto serif" panose="02020600060500020200" pitchFamily="18" charset="0"/>
               </a:rPr>
-              <a:t>BernNB_GausNB_MultNB_Comparison</a:t>
+              <a:t>we will look at the Naïve Bayes classifiers and how they are used to solve the classification problems</a:t>
             </a:r>
             <a:endParaRPr lang="en-DE" dirty="0"/>
           </a:p>
@@ -7167,7 +7440,7 @@
     </p:spTree>
     <p:extLst>
       <p:ext uri="{BB962C8B-B14F-4D97-AF65-F5344CB8AC3E}">
-        <p14:creationId xmlns:p14="http://schemas.microsoft.com/office/powerpoint/2010/main" val="1893106965"/>
+        <p14:creationId xmlns:p14="http://schemas.microsoft.com/office/powerpoint/2010/main" val="501658425"/>
       </p:ext>
     </p:extLst>
   </p:cSld>
@@ -7261,7 +7534,7 @@
     </p:spTree>
     <p:extLst>
       <p:ext uri="{BB962C8B-B14F-4D97-AF65-F5344CB8AC3E}">
-        <p14:creationId xmlns:p14="http://schemas.microsoft.com/office/powerpoint/2010/main" val="2303833855"/>
+        <p14:creationId xmlns:p14="http://schemas.microsoft.com/office/powerpoint/2010/main" val="501658425"/>
       </p:ext>
     </p:extLst>
   </p:cSld>
@@ -7355,7 +7628,102 @@
     </p:spTree>
     <p:extLst>
       <p:ext uri="{BB962C8B-B14F-4D97-AF65-F5344CB8AC3E}">
-        <p14:creationId xmlns:p14="http://schemas.microsoft.com/office/powerpoint/2010/main" val="3819556433"/>
+        <p14:creationId xmlns:p14="http://schemas.microsoft.com/office/powerpoint/2010/main" val="1412914420"/>
+      </p:ext>
+    </p:extLst>
+  </p:cSld>
+  <p:clrMapOvr>
+    <a:masterClrMapping/>
+  </p:clrMapOvr>
+</p:notes>
+</file>
+
+<file path=ppt/notesSlides/notesSlide9.xml><?xml version="1.0" encoding="utf-8"?>
+<p:notes xmlns:a="http://schemas.openxmlformats.org/drawingml/2006/main" xmlns:r="http://schemas.openxmlformats.org/officeDocument/2006/relationships" xmlns:p="http://schemas.openxmlformats.org/presentationml/2006/main">
+  <p:cSld>
+    <p:spTree>
+      <p:nvGrpSpPr>
+        <p:cNvPr id="1" name=""/>
+        <p:cNvGrpSpPr/>
+        <p:nvPr/>
+      </p:nvGrpSpPr>
+      <p:grpSpPr>
+        <a:xfrm>
+          <a:off x="0" y="0"/>
+          <a:ext cx="0" cy="0"/>
+          <a:chOff x="0" y="0"/>
+          <a:chExt cx="0" cy="0"/>
+        </a:xfrm>
+      </p:grpSpPr>
+      <p:sp>
+        <p:nvSpPr>
+          <p:cNvPr id="2" name="Slide Image Placeholder 1"/>
+          <p:cNvSpPr>
+            <a:spLocks noGrp="1" noRot="1" noChangeAspect="1"/>
+          </p:cNvSpPr>
+          <p:nvPr>
+            <p:ph type="sldImg"/>
+          </p:nvPr>
+        </p:nvSpPr>
+        <p:spPr/>
+      </p:sp>
+      <p:sp>
+        <p:nvSpPr>
+          <p:cNvPr id="3" name="Notes Placeholder 2"/>
+          <p:cNvSpPr>
+            <a:spLocks noGrp="1"/>
+          </p:cNvSpPr>
+          <p:nvPr>
+            <p:ph type="body" idx="1"/>
+          </p:nvPr>
+        </p:nvSpPr>
+        <p:spPr/>
+        <p:txBody>
+          <a:bodyPr/>
+          <a:lstStyle/>
+          <a:p>
+            <a:r>
+              <a:rPr lang="en-US" sz="1200" b="1" kern="1200" dirty="0" err="1">
+                <a:solidFill>
+                  <a:schemeClr val="tx1"/>
+                </a:solidFill>
+                <a:latin typeface="+mj-lt"/>
+                <a:ea typeface="+mj-ea"/>
+                <a:cs typeface="+mj-cs"/>
+              </a:rPr>
+              <a:t>BernNB_GausNB_MultNB_Comparison</a:t>
+            </a:r>
+            <a:endParaRPr lang="en-DE" dirty="0"/>
+          </a:p>
+        </p:txBody>
+      </p:sp>
+      <p:sp>
+        <p:nvSpPr>
+          <p:cNvPr id="4" name="Slide Number Placeholder 3"/>
+          <p:cNvSpPr>
+            <a:spLocks noGrp="1"/>
+          </p:cNvSpPr>
+          <p:nvPr>
+            <p:ph type="sldNum" sz="quarter" idx="5"/>
+          </p:nvPr>
+        </p:nvSpPr>
+        <p:spPr/>
+        <p:txBody>
+          <a:bodyPr/>
+          <a:lstStyle/>
+          <a:p>
+            <a:fld id="{3DA2775C-8C96-4BD1-ABF1-80130B631F8F}" type="slidenum">
+              <a:rPr lang="en-DE" smtClean="0"/>
+              <a:t>14</a:t>
+            </a:fld>
+            <a:endParaRPr lang="en-DE"/>
+          </a:p>
+        </p:txBody>
+      </p:sp>
+    </p:spTree>
+    <p:extLst>
+      <p:ext uri="{BB962C8B-B14F-4D97-AF65-F5344CB8AC3E}">
+        <p14:creationId xmlns:p14="http://schemas.microsoft.com/office/powerpoint/2010/main" val="1893106965"/>
       </p:ext>
     </p:extLst>
   </p:cSld>
@@ -11485,7 +11853,7 @@
                   <a:schemeClr val="bg1"/>
                 </a:solidFill>
               </a:rPr>
-              <a:t>Multinomial Naïve Bayes Classifier</a:t>
+              <a:t>Bernoulli Naïve Bayes Classifier</a:t>
             </a:r>
           </a:p>
         </p:txBody>
@@ -11577,10 +11945,251 @@
           </a:p>
         </p:txBody>
       </p:sp>
+      <p:sp>
+        <p:nvSpPr>
+          <p:cNvPr id="14" name="TextBox 13">
+            <a:extLst>
+              <a:ext uri="{FF2B5EF4-FFF2-40B4-BE49-F238E27FC236}">
+                <a16:creationId xmlns:a16="http://schemas.microsoft.com/office/drawing/2014/main" id="{008C542D-55AB-AB75-7D4E-E022E1DD07F9}"/>
+              </a:ext>
+            </a:extLst>
+          </p:cNvPr>
+          <p:cNvSpPr txBox="1"/>
+          <p:nvPr/>
+        </p:nvSpPr>
+        <p:spPr>
+          <a:xfrm>
+            <a:off x="324691" y="1427696"/>
+            <a:ext cx="4030019" cy="3338735"/>
+          </a:xfrm>
+          <a:prstGeom prst="rect">
+            <a:avLst/>
+          </a:prstGeom>
+          <a:noFill/>
+        </p:spPr>
+        <p:txBody>
+          <a:bodyPr wrap="square" rtlCol="0">
+            <a:spAutoFit/>
+          </a:bodyPr>
+          <a:lstStyle/>
+          <a:p>
+            <a:pPr marL="285750" indent="-285750" algn="just">
+              <a:lnSpc>
+                <a:spcPct val="200000"/>
+              </a:lnSpc>
+              <a:buFont typeface="Wingdings" panose="05000000000000000000" pitchFamily="2" charset="2"/>
+              <a:buChar char="Ø"/>
+            </a:pPr>
+            <a:r>
+              <a:rPr lang="en-GB" b="0" i="1" dirty="0">
+                <a:solidFill>
+                  <a:schemeClr val="bg1"/>
+                </a:solidFill>
+                <a:effectLst/>
+                <a:latin typeface="Noto serif" panose="02020600060500020200" pitchFamily="18" charset="0"/>
+              </a:rPr>
+              <a:t>Used in Boolean variables.</a:t>
+            </a:r>
+          </a:p>
+          <a:p>
+            <a:pPr marL="285750" indent="-285750" algn="just">
+              <a:lnSpc>
+                <a:spcPct val="200000"/>
+              </a:lnSpc>
+              <a:buFont typeface="Wingdings" panose="05000000000000000000" pitchFamily="2" charset="2"/>
+              <a:buChar char="Ø"/>
+            </a:pPr>
+            <a:endParaRPr lang="en-GB" i="1" dirty="0">
+              <a:solidFill>
+                <a:schemeClr val="bg1"/>
+              </a:solidFill>
+              <a:latin typeface="Noto serif" panose="02020600060500020200" pitchFamily="18" charset="0"/>
+            </a:endParaRPr>
+          </a:p>
+          <a:p>
+            <a:pPr marL="285750" indent="-285750" algn="just">
+              <a:lnSpc>
+                <a:spcPct val="200000"/>
+              </a:lnSpc>
+              <a:buFont typeface="Wingdings" panose="05000000000000000000" pitchFamily="2" charset="2"/>
+              <a:buChar char="Ø"/>
+            </a:pPr>
+            <a:r>
+              <a:rPr lang="en-GB" b="0" i="1" dirty="0">
+                <a:solidFill>
+                  <a:schemeClr val="bg1"/>
+                </a:solidFill>
+                <a:effectLst/>
+                <a:latin typeface="Noto serif" panose="02020600060500020200" pitchFamily="18" charset="0"/>
+              </a:rPr>
+              <a:t>It attaches a Boolean indicator to a word when it belongs to a document.</a:t>
+            </a:r>
+          </a:p>
+          <a:p>
+            <a:pPr marL="285750" indent="-285750" algn="just">
+              <a:lnSpc>
+                <a:spcPct val="200000"/>
+              </a:lnSpc>
+              <a:buFont typeface="Wingdings" panose="05000000000000000000" pitchFamily="2" charset="2"/>
+              <a:buChar char="Ø"/>
+            </a:pPr>
+            <a:endParaRPr lang="en-DE" i="1" dirty="0">
+              <a:solidFill>
+                <a:schemeClr val="bg1"/>
+              </a:solidFill>
+            </a:endParaRPr>
+          </a:p>
+        </p:txBody>
+      </p:sp>
+      <p:grpSp>
+        <p:nvGrpSpPr>
+          <p:cNvPr id="19" name="Group 18">
+            <a:extLst>
+              <a:ext uri="{FF2B5EF4-FFF2-40B4-BE49-F238E27FC236}">
+                <a16:creationId xmlns:a16="http://schemas.microsoft.com/office/drawing/2014/main" id="{ADA35FF4-7502-734B-6C7F-F15390E73B6B}"/>
+              </a:ext>
+            </a:extLst>
+          </p:cNvPr>
+          <p:cNvGrpSpPr/>
+          <p:nvPr/>
+        </p:nvGrpSpPr>
+        <p:grpSpPr>
+          <a:xfrm>
+            <a:off x="4550730" y="1809654"/>
+            <a:ext cx="7814766" cy="3720609"/>
+            <a:chOff x="4446061" y="2155837"/>
+            <a:chExt cx="7753722" cy="3720609"/>
+          </a:xfrm>
+        </p:grpSpPr>
+        <p:grpSp>
+          <p:nvGrpSpPr>
+            <p:cNvPr id="17" name="Group 16">
+              <a:extLst>
+                <a:ext uri="{FF2B5EF4-FFF2-40B4-BE49-F238E27FC236}">
+                  <a16:creationId xmlns:a16="http://schemas.microsoft.com/office/drawing/2014/main" id="{44FBB89A-CE38-46AD-961F-C34CEB135A2A}"/>
+                </a:ext>
+              </a:extLst>
+            </p:cNvPr>
+            <p:cNvGrpSpPr/>
+            <p:nvPr/>
+          </p:nvGrpSpPr>
+          <p:grpSpPr>
+            <a:xfrm>
+              <a:off x="4446061" y="2155837"/>
+              <a:ext cx="7490300" cy="3720609"/>
+              <a:chOff x="4446061" y="2155837"/>
+              <a:chExt cx="7490300" cy="3720609"/>
+            </a:xfrm>
+          </p:grpSpPr>
+          <p:pic>
+            <p:nvPicPr>
+              <p:cNvPr id="10" name="Picture 9">
+                <a:extLst>
+                  <a:ext uri="{FF2B5EF4-FFF2-40B4-BE49-F238E27FC236}">
+                    <a16:creationId xmlns:a16="http://schemas.microsoft.com/office/drawing/2014/main" id="{57FEEEE2-76A9-988C-75F0-4D1AEFB21B40}"/>
+                  </a:ext>
+                </a:extLst>
+              </p:cNvPr>
+              <p:cNvPicPr>
+                <a:picLocks noChangeAspect="1"/>
+              </p:cNvPicPr>
+              <p:nvPr/>
+            </p:nvPicPr>
+            <p:blipFill rotWithShape="1">
+              <a:blip r:embed="rId5"/>
+              <a:srcRect l="7662" r="127"/>
+              <a:stretch/>
+            </p:blipFill>
+            <p:spPr>
+              <a:xfrm>
+                <a:off x="4446061" y="3123464"/>
+                <a:ext cx="7490300" cy="2752982"/>
+              </a:xfrm>
+              <a:prstGeom prst="rect">
+                <a:avLst/>
+              </a:prstGeom>
+            </p:spPr>
+          </p:pic>
+          <p:pic>
+            <p:nvPicPr>
+              <p:cNvPr id="16" name="Picture 15">
+                <a:extLst>
+                  <a:ext uri="{FF2B5EF4-FFF2-40B4-BE49-F238E27FC236}">
+                    <a16:creationId xmlns:a16="http://schemas.microsoft.com/office/drawing/2014/main" id="{CE8E054E-E7E8-DD80-A88A-BAFE52BA7AF5}"/>
+                  </a:ext>
+                </a:extLst>
+              </p:cNvPr>
+              <p:cNvPicPr>
+                <a:picLocks noChangeAspect="1"/>
+              </p:cNvPicPr>
+              <p:nvPr/>
+            </p:nvPicPr>
+            <p:blipFill>
+              <a:blip r:embed="rId6"/>
+              <a:stretch>
+                <a:fillRect/>
+              </a:stretch>
+            </p:blipFill>
+            <p:spPr>
+              <a:xfrm>
+                <a:off x="4446061" y="2155837"/>
+                <a:ext cx="7490300" cy="975445"/>
+              </a:xfrm>
+              <a:prstGeom prst="rect">
+                <a:avLst/>
+              </a:prstGeom>
+            </p:spPr>
+          </p:pic>
+        </p:grpSp>
+        <p:sp>
+          <p:nvSpPr>
+            <p:cNvPr id="18" name="TextBox 17">
+              <a:extLst>
+                <a:ext uri="{FF2B5EF4-FFF2-40B4-BE49-F238E27FC236}">
+                  <a16:creationId xmlns:a16="http://schemas.microsoft.com/office/drawing/2014/main" id="{4F18F455-3056-4B36-50C7-556A02552BA3}"/>
+                </a:ext>
+              </a:extLst>
+            </p:cNvPr>
+            <p:cNvSpPr txBox="1"/>
+            <p:nvPr/>
+          </p:nvSpPr>
+          <p:spPr>
+            <a:xfrm>
+              <a:off x="8662011" y="5476336"/>
+              <a:ext cx="3537772" cy="400110"/>
+            </a:xfrm>
+            <a:prstGeom prst="rect">
+              <a:avLst/>
+            </a:prstGeom>
+            <a:noFill/>
+          </p:spPr>
+          <p:txBody>
+            <a:bodyPr wrap="square" rtlCol="0" anchor="ctr">
+              <a:spAutoFit/>
+            </a:bodyPr>
+            <a:lstStyle/>
+            <a:p>
+              <a:r>
+                <a:rPr lang="en-GB" sz="2000" b="1" dirty="0">
+                  <a:highlight>
+                    <a:srgbClr val="800000"/>
+                  </a:highlight>
+                </a:rPr>
+                <a:t>EXAMPLE: Weather Prediction</a:t>
+              </a:r>
+              <a:endParaRPr lang="en-DE" sz="2000" b="1" dirty="0">
+                <a:highlight>
+                  <a:srgbClr val="800000"/>
+                </a:highlight>
+              </a:endParaRPr>
+            </a:p>
+          </p:txBody>
+        </p:sp>
+      </p:grpSp>
     </p:spTree>
     <p:extLst>
       <p:ext uri="{BB962C8B-B14F-4D97-AF65-F5344CB8AC3E}">
-        <p14:creationId xmlns:p14="http://schemas.microsoft.com/office/powerpoint/2010/main" val="619610242"/>
+        <p14:creationId xmlns:p14="http://schemas.microsoft.com/office/powerpoint/2010/main" val="2557512502"/>
       </p:ext>
     </p:extLst>
   </p:cSld>
@@ -11680,7 +12289,7 @@
                   <a:schemeClr val="bg1"/>
                 </a:solidFill>
               </a:rPr>
-              <a:t>Naïve Bayes Classifier Comparison</a:t>
+              <a:t>Bernoulli Naïve Bayes Classifier</a:t>
             </a:r>
           </a:p>
         </p:txBody>
@@ -11767,6 +12376,1233 @@
             <a:fld id="{4FEEC90D-D43D-4637-8AB1-318B5662A3A0}" type="slidenum">
               <a:rPr lang="en-DE" smtClean="0"/>
               <a:t>11</a:t>
+            </a:fld>
+            <a:endParaRPr lang="en-DE"/>
+          </a:p>
+        </p:txBody>
+      </p:sp>
+      <p:pic>
+        <p:nvPicPr>
+          <p:cNvPr id="7" name="Picture 6">
+            <a:extLst>
+              <a:ext uri="{FF2B5EF4-FFF2-40B4-BE49-F238E27FC236}">
+                <a16:creationId xmlns:a16="http://schemas.microsoft.com/office/drawing/2014/main" id="{9BF1030C-95F2-9F15-579C-117975B87BA5}"/>
+              </a:ext>
+            </a:extLst>
+          </p:cNvPr>
+          <p:cNvPicPr>
+            <a:picLocks noChangeAspect="1"/>
+          </p:cNvPicPr>
+          <p:nvPr/>
+        </p:nvPicPr>
+        <p:blipFill rotWithShape="1">
+          <a:blip r:embed="rId5"/>
+          <a:srcRect r="16398"/>
+          <a:stretch/>
+        </p:blipFill>
+        <p:spPr>
+          <a:xfrm>
+            <a:off x="6812238" y="1371680"/>
+            <a:ext cx="5331863" cy="3549365"/>
+          </a:xfrm>
+          <a:prstGeom prst="rect">
+            <a:avLst/>
+          </a:prstGeom>
+        </p:spPr>
+      </p:pic>
+      <p:pic>
+        <p:nvPicPr>
+          <p:cNvPr id="9" name="Picture 8">
+            <a:extLst>
+              <a:ext uri="{FF2B5EF4-FFF2-40B4-BE49-F238E27FC236}">
+                <a16:creationId xmlns:a16="http://schemas.microsoft.com/office/drawing/2014/main" id="{5C3C6B0D-DED0-8183-F4E6-2B1B3E9F7836}"/>
+              </a:ext>
+            </a:extLst>
+          </p:cNvPr>
+          <p:cNvPicPr>
+            <a:picLocks noChangeAspect="1"/>
+          </p:cNvPicPr>
+          <p:nvPr/>
+        </p:nvPicPr>
+        <p:blipFill>
+          <a:blip r:embed="rId6"/>
+          <a:stretch>
+            <a:fillRect/>
+          </a:stretch>
+        </p:blipFill>
+        <p:spPr>
+          <a:xfrm>
+            <a:off x="89663" y="1371680"/>
+            <a:ext cx="6674676" cy="4743985"/>
+          </a:xfrm>
+          <a:prstGeom prst="rect">
+            <a:avLst/>
+          </a:prstGeom>
+        </p:spPr>
+      </p:pic>
+    </p:spTree>
+    <p:extLst>
+      <p:ext uri="{BB962C8B-B14F-4D97-AF65-F5344CB8AC3E}">
+        <p14:creationId xmlns:p14="http://schemas.microsoft.com/office/powerpoint/2010/main" val="619610242"/>
+      </p:ext>
+    </p:extLst>
+  </p:cSld>
+  <p:clrMapOvr>
+    <a:masterClrMapping/>
+  </p:clrMapOvr>
+  <p:timing>
+    <p:tnLst>
+      <p:par>
+        <p:cTn id="1" dur="indefinite" restart="never" nodeType="tmRoot">
+          <p:childTnLst>
+            <p:seq concurrent="1" nextAc="seek">
+              <p:cTn id="2" dur="indefinite" nodeType="mainSeq">
+                <p:childTnLst>
+                  <p:par>
+                    <p:cTn id="3" fill="hold">
+                      <p:stCondLst>
+                        <p:cond delay="indefinite"/>
+                      </p:stCondLst>
+                      <p:childTnLst>
+                        <p:par>
+                          <p:cTn id="4" fill="hold">
+                            <p:stCondLst>
+                              <p:cond delay="0"/>
+                            </p:stCondLst>
+                            <p:childTnLst>
+                              <p:par>
+                                <p:cTn id="5" presetID="1" presetClass="entr" presetSubtype="0" fill="hold" nodeType="clickEffect">
+                                  <p:stCondLst>
+                                    <p:cond delay="0"/>
+                                  </p:stCondLst>
+                                  <p:childTnLst>
+                                    <p:set>
+                                      <p:cBhvr>
+                                        <p:cTn id="6" dur="1" fill="hold">
+                                          <p:stCondLst>
+                                            <p:cond delay="0"/>
+                                          </p:stCondLst>
+                                        </p:cTn>
+                                        <p:tgtEl>
+                                          <p:spTgt spid="9"/>
+                                        </p:tgtEl>
+                                        <p:attrNameLst>
+                                          <p:attrName>style.visibility</p:attrName>
+                                        </p:attrNameLst>
+                                      </p:cBhvr>
+                                      <p:to>
+                                        <p:strVal val="visible"/>
+                                      </p:to>
+                                    </p:set>
+                                  </p:childTnLst>
+                                </p:cTn>
+                              </p:par>
+                            </p:childTnLst>
+                          </p:cTn>
+                        </p:par>
+                      </p:childTnLst>
+                    </p:cTn>
+                  </p:par>
+                  <p:par>
+                    <p:cTn id="7" fill="hold">
+                      <p:stCondLst>
+                        <p:cond delay="indefinite"/>
+                      </p:stCondLst>
+                      <p:childTnLst>
+                        <p:par>
+                          <p:cTn id="8" fill="hold">
+                            <p:stCondLst>
+                              <p:cond delay="0"/>
+                            </p:stCondLst>
+                            <p:childTnLst>
+                              <p:par>
+                                <p:cTn id="9" presetID="1" presetClass="entr" presetSubtype="0" fill="hold" nodeType="clickEffect">
+                                  <p:stCondLst>
+                                    <p:cond delay="0"/>
+                                  </p:stCondLst>
+                                  <p:childTnLst>
+                                    <p:set>
+                                      <p:cBhvr>
+                                        <p:cTn id="10" dur="1" fill="hold">
+                                          <p:stCondLst>
+                                            <p:cond delay="0"/>
+                                          </p:stCondLst>
+                                        </p:cTn>
+                                        <p:tgtEl>
+                                          <p:spTgt spid="7"/>
+                                        </p:tgtEl>
+                                        <p:attrNameLst>
+                                          <p:attrName>style.visibility</p:attrName>
+                                        </p:attrNameLst>
+                                      </p:cBhvr>
+                                      <p:to>
+                                        <p:strVal val="visible"/>
+                                      </p:to>
+                                    </p:set>
+                                  </p:childTnLst>
+                                </p:cTn>
+                              </p:par>
+                            </p:childTnLst>
+                          </p:cTn>
+                        </p:par>
+                      </p:childTnLst>
+                    </p:cTn>
+                  </p:par>
+                </p:childTnLst>
+              </p:cTn>
+              <p:prevCondLst>
+                <p:cond evt="onPrev" delay="0">
+                  <p:tgtEl>
+                    <p:sldTgt/>
+                  </p:tgtEl>
+                </p:cond>
+              </p:prevCondLst>
+              <p:nextCondLst>
+                <p:cond evt="onNext" delay="0">
+                  <p:tgtEl>
+                    <p:sldTgt/>
+                  </p:tgtEl>
+                </p:cond>
+              </p:nextCondLst>
+            </p:seq>
+          </p:childTnLst>
+        </p:cTn>
+      </p:par>
+    </p:tnLst>
+  </p:timing>
+</p:sld>
+</file>
+
+<file path=ppt/slides/slide12.xml><?xml version="1.0" encoding="utf-8"?>
+<p:sld xmlns:a="http://schemas.openxmlformats.org/drawingml/2006/main" xmlns:r="http://schemas.openxmlformats.org/officeDocument/2006/relationships" xmlns:p="http://schemas.openxmlformats.org/presentationml/2006/main">
+  <p:cSld>
+    <p:spTree>
+      <p:nvGrpSpPr>
+        <p:cNvPr id="1" name=""/>
+        <p:cNvGrpSpPr/>
+        <p:nvPr/>
+      </p:nvGrpSpPr>
+      <p:grpSpPr>
+        <a:xfrm>
+          <a:off x="0" y="0"/>
+          <a:ext cx="0" cy="0"/>
+          <a:chOff x="0" y="0"/>
+          <a:chExt cx="0" cy="0"/>
+        </a:xfrm>
+      </p:grpSpPr>
+      <p:pic>
+        <p:nvPicPr>
+          <p:cNvPr id="8" name="Picture 7">
+            <a:extLst>
+              <a:ext uri="{FF2B5EF4-FFF2-40B4-BE49-F238E27FC236}">
+                <a16:creationId xmlns:a16="http://schemas.microsoft.com/office/drawing/2014/main" id="{D8CB3B7F-185C-46B8-F4E9-D19A861994CC}"/>
+              </a:ext>
+            </a:extLst>
+          </p:cNvPr>
+          <p:cNvPicPr>
+            <a:picLocks noChangeAspect="1"/>
+          </p:cNvPicPr>
+          <p:nvPr/>
+        </p:nvPicPr>
+        <p:blipFill rotWithShape="1">
+          <a:blip r:embed="rId3">
+            <a:duotone>
+              <a:prstClr val="black"/>
+              <a:schemeClr val="tx2">
+                <a:tint val="45000"/>
+                <a:satMod val="400000"/>
+              </a:schemeClr>
+            </a:duotone>
+            <a:alphaModFix amt="25000"/>
+          </a:blip>
+          <a:srcRect t="15730"/>
+          <a:stretch/>
+        </p:blipFill>
+        <p:spPr>
+          <a:xfrm>
+            <a:off x="20" y="10"/>
+            <a:ext cx="12191980" cy="6857990"/>
+          </a:xfrm>
+          <a:prstGeom prst="rect">
+            <a:avLst/>
+          </a:prstGeom>
+        </p:spPr>
+      </p:pic>
+      <p:sp>
+        <p:nvSpPr>
+          <p:cNvPr id="2" name="Title 1">
+            <a:extLst>
+              <a:ext uri="{FF2B5EF4-FFF2-40B4-BE49-F238E27FC236}">
+                <a16:creationId xmlns:a16="http://schemas.microsoft.com/office/drawing/2014/main" id="{F6D544CE-A2D7-99D1-CA01-4EE7B7FF489D}"/>
+              </a:ext>
+            </a:extLst>
+          </p:cNvPr>
+          <p:cNvSpPr>
+            <a:spLocks noGrp="1"/>
+          </p:cNvSpPr>
+          <p:nvPr>
+            <p:ph type="title"/>
+          </p:nvPr>
+        </p:nvSpPr>
+        <p:spPr>
+          <a:xfrm>
+            <a:off x="533400" y="309221"/>
+            <a:ext cx="10515600" cy="1062459"/>
+          </a:xfrm>
+        </p:spPr>
+        <p:txBody>
+          <a:bodyPr vert="horz" lIns="91440" tIns="45720" rIns="91440" bIns="45720" rtlCol="0" anchor="ctr">
+            <a:normAutofit/>
+          </a:bodyPr>
+          <a:lstStyle/>
+          <a:p>
+            <a:pPr algn="ctr"/>
+            <a:r>
+              <a:rPr lang="en-US" sz="6000" b="1" dirty="0">
+                <a:solidFill>
+                  <a:schemeClr val="bg1"/>
+                </a:solidFill>
+              </a:rPr>
+              <a:t>Multinomial Naïve Bayes Classifier</a:t>
+            </a:r>
+          </a:p>
+        </p:txBody>
+      </p:sp>
+      <p:pic>
+        <p:nvPicPr>
+          <p:cNvPr id="3" name="Picture 2">
+            <a:extLst>
+              <a:ext uri="{FF2B5EF4-FFF2-40B4-BE49-F238E27FC236}">
+                <a16:creationId xmlns:a16="http://schemas.microsoft.com/office/drawing/2014/main" id="{F7EEB457-28D4-7CC5-9DD2-2F29E70A8070}"/>
+              </a:ext>
+            </a:extLst>
+          </p:cNvPr>
+          <p:cNvPicPr>
+            <a:picLocks noChangeAspect="1"/>
+          </p:cNvPicPr>
+          <p:nvPr/>
+        </p:nvPicPr>
+        <p:blipFill>
+          <a:blip r:embed="rId4"/>
+          <a:stretch>
+            <a:fillRect/>
+          </a:stretch>
+        </p:blipFill>
+        <p:spPr>
+          <a:xfrm>
+            <a:off x="9768468" y="136525"/>
+            <a:ext cx="2324004" cy="345393"/>
+          </a:xfrm>
+          <a:prstGeom prst="rect">
+            <a:avLst/>
+          </a:prstGeom>
+        </p:spPr>
+      </p:pic>
+      <p:sp>
+        <p:nvSpPr>
+          <p:cNvPr id="4" name="Date Placeholder 3">
+            <a:extLst>
+              <a:ext uri="{FF2B5EF4-FFF2-40B4-BE49-F238E27FC236}">
+                <a16:creationId xmlns:a16="http://schemas.microsoft.com/office/drawing/2014/main" id="{3EACAE7E-5628-764E-8E18-BE9F34822A9E}"/>
+              </a:ext>
+            </a:extLst>
+          </p:cNvPr>
+          <p:cNvSpPr>
+            <a:spLocks noGrp="1"/>
+          </p:cNvSpPr>
+          <p:nvPr>
+            <p:ph type="dt" sz="half" idx="10"/>
+          </p:nvPr>
+        </p:nvSpPr>
+        <p:spPr/>
+        <p:txBody>
+          <a:bodyPr/>
+          <a:lstStyle/>
+          <a:p>
+            <a:r>
+              <a:rPr lang="en-DE"/>
+              <a:t>09/06/2023</a:t>
+            </a:r>
+          </a:p>
+        </p:txBody>
+      </p:sp>
+      <p:sp>
+        <p:nvSpPr>
+          <p:cNvPr id="5" name="Slide Number Placeholder 4">
+            <a:extLst>
+              <a:ext uri="{FF2B5EF4-FFF2-40B4-BE49-F238E27FC236}">
+                <a16:creationId xmlns:a16="http://schemas.microsoft.com/office/drawing/2014/main" id="{93A23751-531F-DE15-90AE-3D3630F610CD}"/>
+              </a:ext>
+            </a:extLst>
+          </p:cNvPr>
+          <p:cNvSpPr>
+            <a:spLocks noGrp="1"/>
+          </p:cNvSpPr>
+          <p:nvPr>
+            <p:ph type="sldNum" sz="quarter" idx="12"/>
+          </p:nvPr>
+        </p:nvSpPr>
+        <p:spPr/>
+        <p:txBody>
+          <a:bodyPr/>
+          <a:lstStyle/>
+          <a:p>
+            <a:fld id="{4FEEC90D-D43D-4637-8AB1-318B5662A3A0}" type="slidenum">
+              <a:rPr lang="en-DE" smtClean="0"/>
+              <a:t>12</a:t>
+            </a:fld>
+            <a:endParaRPr lang="en-DE"/>
+          </a:p>
+        </p:txBody>
+      </p:sp>
+      <p:sp>
+        <p:nvSpPr>
+          <p:cNvPr id="9" name="TextBox 8">
+            <a:extLst>
+              <a:ext uri="{FF2B5EF4-FFF2-40B4-BE49-F238E27FC236}">
+                <a16:creationId xmlns:a16="http://schemas.microsoft.com/office/drawing/2014/main" id="{F0102A48-B336-F060-E8D6-87EF1D572549}"/>
+              </a:ext>
+            </a:extLst>
+          </p:cNvPr>
+          <p:cNvSpPr txBox="1"/>
+          <p:nvPr/>
+        </p:nvSpPr>
+        <p:spPr>
+          <a:xfrm>
+            <a:off x="191487" y="1915048"/>
+            <a:ext cx="4262751" cy="2784480"/>
+          </a:xfrm>
+          <a:prstGeom prst="rect">
+            <a:avLst/>
+          </a:prstGeom>
+          <a:noFill/>
+        </p:spPr>
+        <p:txBody>
+          <a:bodyPr wrap="square" rtlCol="0">
+            <a:spAutoFit/>
+          </a:bodyPr>
+          <a:lstStyle/>
+          <a:p>
+            <a:pPr marL="285750" indent="-285750" algn="just">
+              <a:lnSpc>
+                <a:spcPct val="200000"/>
+              </a:lnSpc>
+              <a:buFont typeface="Wingdings" panose="05000000000000000000" pitchFamily="2" charset="2"/>
+              <a:buChar char="Ø"/>
+            </a:pPr>
+            <a:r>
+              <a:rPr lang="en-GB" b="0" i="1" dirty="0">
+                <a:solidFill>
+                  <a:schemeClr val="bg1"/>
+                </a:solidFill>
+                <a:effectLst/>
+                <a:latin typeface="Noto serif" panose="02020600060500020200" pitchFamily="18" charset="0"/>
+              </a:rPr>
+              <a:t>Assumes multinomial distri</a:t>
+            </a:r>
+            <a:r>
+              <a:rPr lang="en-GB" i="1" dirty="0">
+                <a:solidFill>
+                  <a:schemeClr val="bg1"/>
+                </a:solidFill>
+                <a:latin typeface="Noto serif" panose="02020600060500020200" pitchFamily="18" charset="0"/>
+              </a:rPr>
+              <a:t>butions for each of </a:t>
+            </a:r>
+            <a:r>
+              <a:rPr lang="en-GB" b="0" i="1" dirty="0">
+                <a:solidFill>
+                  <a:schemeClr val="bg1"/>
+                </a:solidFill>
+                <a:effectLst/>
+                <a:latin typeface="Noto serif" panose="02020600060500020200" pitchFamily="18" charset="0"/>
+              </a:rPr>
+              <a:t>the features</a:t>
+            </a:r>
+            <a:r>
+              <a:rPr lang="en-GB" i="1" dirty="0">
+                <a:solidFill>
+                  <a:schemeClr val="bg1"/>
+                </a:solidFill>
+                <a:latin typeface="Noto serif" panose="02020600060500020200" pitchFamily="18" charset="0"/>
+              </a:rPr>
+              <a:t>.</a:t>
+            </a:r>
+          </a:p>
+          <a:p>
+            <a:pPr marL="285750" indent="-285750" algn="just">
+              <a:lnSpc>
+                <a:spcPct val="200000"/>
+              </a:lnSpc>
+              <a:buFont typeface="Wingdings" panose="05000000000000000000" pitchFamily="2" charset="2"/>
+              <a:buChar char="Ø"/>
+            </a:pPr>
+            <a:endParaRPr lang="en-GB" i="1" dirty="0">
+              <a:solidFill>
+                <a:schemeClr val="bg1"/>
+              </a:solidFill>
+              <a:latin typeface="Noto serif" panose="02020600060500020200" pitchFamily="18" charset="0"/>
+            </a:endParaRPr>
+          </a:p>
+          <a:p>
+            <a:pPr marL="285750" indent="-285750" algn="just">
+              <a:lnSpc>
+                <a:spcPct val="200000"/>
+              </a:lnSpc>
+              <a:buFont typeface="Wingdings" panose="05000000000000000000" pitchFamily="2" charset="2"/>
+              <a:buChar char="Ø"/>
+            </a:pPr>
+            <a:r>
+              <a:rPr lang="en-GB" i="1" dirty="0">
+                <a:solidFill>
+                  <a:schemeClr val="bg1"/>
+                </a:solidFill>
+                <a:latin typeface="Noto serif" panose="02020600060500020200" pitchFamily="18" charset="0"/>
+              </a:rPr>
+              <a:t>Useful  when employing discrete data e.g., frequency counts</a:t>
+            </a:r>
+            <a:endParaRPr lang="en-DE" i="1" dirty="0">
+              <a:solidFill>
+                <a:schemeClr val="bg1"/>
+              </a:solidFill>
+            </a:endParaRPr>
+          </a:p>
+        </p:txBody>
+      </p:sp>
+      <p:grpSp>
+        <p:nvGrpSpPr>
+          <p:cNvPr id="11" name="Group 10">
+            <a:extLst>
+              <a:ext uri="{FF2B5EF4-FFF2-40B4-BE49-F238E27FC236}">
+                <a16:creationId xmlns:a16="http://schemas.microsoft.com/office/drawing/2014/main" id="{5FCA2395-BBCC-C408-B3F8-ECFA234C6444}"/>
+              </a:ext>
+            </a:extLst>
+          </p:cNvPr>
+          <p:cNvGrpSpPr/>
+          <p:nvPr/>
+        </p:nvGrpSpPr>
+        <p:grpSpPr>
+          <a:xfrm>
+            <a:off x="4454238" y="1427696"/>
+            <a:ext cx="7727325" cy="4399490"/>
+            <a:chOff x="4014229" y="1460536"/>
+            <a:chExt cx="7913618" cy="4418846"/>
+          </a:xfrm>
+        </p:grpSpPr>
+        <p:pic>
+          <p:nvPicPr>
+            <p:cNvPr id="7" name="Picture 6">
+              <a:extLst>
+                <a:ext uri="{FF2B5EF4-FFF2-40B4-BE49-F238E27FC236}">
+                  <a16:creationId xmlns:a16="http://schemas.microsoft.com/office/drawing/2014/main" id="{4E0E74E3-330E-3078-22FA-B68CC5925C21}"/>
+                </a:ext>
+              </a:extLst>
+            </p:cNvPr>
+            <p:cNvPicPr>
+              <a:picLocks noChangeAspect="1"/>
+            </p:cNvPicPr>
+            <p:nvPr/>
+          </p:nvPicPr>
+          <p:blipFill>
+            <a:blip r:embed="rId5"/>
+            <a:stretch>
+              <a:fillRect/>
+            </a:stretch>
+          </p:blipFill>
+          <p:spPr>
+            <a:xfrm>
+              <a:off x="4014229" y="1460536"/>
+              <a:ext cx="7822379" cy="4418846"/>
+            </a:xfrm>
+            <a:prstGeom prst="rect">
+              <a:avLst/>
+            </a:prstGeom>
+          </p:spPr>
+        </p:pic>
+        <p:sp>
+          <p:nvSpPr>
+            <p:cNvPr id="10" name="TextBox 9">
+              <a:extLst>
+                <a:ext uri="{FF2B5EF4-FFF2-40B4-BE49-F238E27FC236}">
+                  <a16:creationId xmlns:a16="http://schemas.microsoft.com/office/drawing/2014/main" id="{D8B7E35F-F3FF-43B8-B580-BDA01E5944D8}"/>
+                </a:ext>
+              </a:extLst>
+            </p:cNvPr>
+            <p:cNvSpPr txBox="1"/>
+            <p:nvPr/>
+          </p:nvSpPr>
+          <p:spPr>
+            <a:xfrm>
+              <a:off x="8504286" y="5477512"/>
+              <a:ext cx="3423561" cy="401870"/>
+            </a:xfrm>
+            <a:prstGeom prst="rect">
+              <a:avLst/>
+            </a:prstGeom>
+            <a:noFill/>
+          </p:spPr>
+          <p:txBody>
+            <a:bodyPr wrap="square" rtlCol="0" anchor="ctr">
+              <a:spAutoFit/>
+            </a:bodyPr>
+            <a:lstStyle/>
+            <a:p>
+              <a:r>
+                <a:rPr lang="en-GB" sz="2000" b="1" dirty="0">
+                  <a:highlight>
+                    <a:srgbClr val="800000"/>
+                  </a:highlight>
+                </a:rPr>
+                <a:t>EXAMPLE: Sentiment Analysis</a:t>
+              </a:r>
+              <a:endParaRPr lang="en-DE" sz="2000" b="1" dirty="0">
+                <a:highlight>
+                  <a:srgbClr val="800000"/>
+                </a:highlight>
+              </a:endParaRPr>
+            </a:p>
+          </p:txBody>
+        </p:sp>
+      </p:grpSp>
+    </p:spTree>
+    <p:extLst>
+      <p:ext uri="{BB962C8B-B14F-4D97-AF65-F5344CB8AC3E}">
+        <p14:creationId xmlns:p14="http://schemas.microsoft.com/office/powerpoint/2010/main" val="3042416569"/>
+      </p:ext>
+    </p:extLst>
+  </p:cSld>
+  <p:clrMapOvr>
+    <a:masterClrMapping/>
+  </p:clrMapOvr>
+  <p:timing>
+    <p:tnLst>
+      <p:par>
+        <p:cTn id="1" dur="indefinite" restart="never" nodeType="tmRoot">
+          <p:childTnLst>
+            <p:seq concurrent="1" nextAc="seek">
+              <p:cTn id="2" dur="indefinite" nodeType="mainSeq">
+                <p:childTnLst>
+                  <p:par>
+                    <p:cTn id="3" fill="hold">
+                      <p:stCondLst>
+                        <p:cond delay="indefinite"/>
+                      </p:stCondLst>
+                      <p:childTnLst>
+                        <p:par>
+                          <p:cTn id="4" fill="hold">
+                            <p:stCondLst>
+                              <p:cond delay="0"/>
+                            </p:stCondLst>
+                            <p:childTnLst>
+                              <p:par>
+                                <p:cTn id="5" presetID="1" presetClass="entr" presetSubtype="0" fill="hold" nodeType="clickEffect">
+                                  <p:stCondLst>
+                                    <p:cond delay="0"/>
+                                  </p:stCondLst>
+                                  <p:childTnLst>
+                                    <p:set>
+                                      <p:cBhvr>
+                                        <p:cTn id="6" dur="1" fill="hold">
+                                          <p:stCondLst>
+                                            <p:cond delay="0"/>
+                                          </p:stCondLst>
+                                        </p:cTn>
+                                        <p:tgtEl>
+                                          <p:spTgt spid="11"/>
+                                        </p:tgtEl>
+                                        <p:attrNameLst>
+                                          <p:attrName>style.visibility</p:attrName>
+                                        </p:attrNameLst>
+                                      </p:cBhvr>
+                                      <p:to>
+                                        <p:strVal val="visible"/>
+                                      </p:to>
+                                    </p:set>
+                                  </p:childTnLst>
+                                </p:cTn>
+                              </p:par>
+                            </p:childTnLst>
+                          </p:cTn>
+                        </p:par>
+                      </p:childTnLst>
+                    </p:cTn>
+                  </p:par>
+                </p:childTnLst>
+              </p:cTn>
+              <p:prevCondLst>
+                <p:cond evt="onPrev" delay="0">
+                  <p:tgtEl>
+                    <p:sldTgt/>
+                  </p:tgtEl>
+                </p:cond>
+              </p:prevCondLst>
+              <p:nextCondLst>
+                <p:cond evt="onNext" delay="0">
+                  <p:tgtEl>
+                    <p:sldTgt/>
+                  </p:tgtEl>
+                </p:cond>
+              </p:nextCondLst>
+            </p:seq>
+          </p:childTnLst>
+        </p:cTn>
+      </p:par>
+    </p:tnLst>
+  </p:timing>
+</p:sld>
+</file>
+
+<file path=ppt/slides/slide13.xml><?xml version="1.0" encoding="utf-8"?>
+<p:sld xmlns:a="http://schemas.openxmlformats.org/drawingml/2006/main" xmlns:r="http://schemas.openxmlformats.org/officeDocument/2006/relationships" xmlns:p="http://schemas.openxmlformats.org/presentationml/2006/main">
+  <p:cSld>
+    <p:spTree>
+      <p:nvGrpSpPr>
+        <p:cNvPr id="1" name=""/>
+        <p:cNvGrpSpPr/>
+        <p:nvPr/>
+      </p:nvGrpSpPr>
+      <p:grpSpPr>
+        <a:xfrm>
+          <a:off x="0" y="0"/>
+          <a:ext cx="0" cy="0"/>
+          <a:chOff x="0" y="0"/>
+          <a:chExt cx="0" cy="0"/>
+        </a:xfrm>
+      </p:grpSpPr>
+      <p:pic>
+        <p:nvPicPr>
+          <p:cNvPr id="8" name="Picture 7">
+            <a:extLst>
+              <a:ext uri="{FF2B5EF4-FFF2-40B4-BE49-F238E27FC236}">
+                <a16:creationId xmlns:a16="http://schemas.microsoft.com/office/drawing/2014/main" id="{D8CB3B7F-185C-46B8-F4E9-D19A861994CC}"/>
+              </a:ext>
+            </a:extLst>
+          </p:cNvPr>
+          <p:cNvPicPr>
+            <a:picLocks noChangeAspect="1"/>
+          </p:cNvPicPr>
+          <p:nvPr/>
+        </p:nvPicPr>
+        <p:blipFill rotWithShape="1">
+          <a:blip r:embed="rId3">
+            <a:duotone>
+              <a:prstClr val="black"/>
+              <a:schemeClr val="tx2">
+                <a:tint val="45000"/>
+                <a:satMod val="400000"/>
+              </a:schemeClr>
+            </a:duotone>
+            <a:alphaModFix amt="25000"/>
+          </a:blip>
+          <a:srcRect t="15730"/>
+          <a:stretch/>
+        </p:blipFill>
+        <p:spPr>
+          <a:xfrm>
+            <a:off x="20" y="10"/>
+            <a:ext cx="12191980" cy="6857990"/>
+          </a:xfrm>
+          <a:prstGeom prst="rect">
+            <a:avLst/>
+          </a:prstGeom>
+        </p:spPr>
+      </p:pic>
+      <p:sp>
+        <p:nvSpPr>
+          <p:cNvPr id="2" name="Title 1">
+            <a:extLst>
+              <a:ext uri="{FF2B5EF4-FFF2-40B4-BE49-F238E27FC236}">
+                <a16:creationId xmlns:a16="http://schemas.microsoft.com/office/drawing/2014/main" id="{F6D544CE-A2D7-99D1-CA01-4EE7B7FF489D}"/>
+              </a:ext>
+            </a:extLst>
+          </p:cNvPr>
+          <p:cNvSpPr>
+            <a:spLocks noGrp="1"/>
+          </p:cNvSpPr>
+          <p:nvPr>
+            <p:ph type="title"/>
+          </p:nvPr>
+        </p:nvSpPr>
+        <p:spPr>
+          <a:xfrm>
+            <a:off x="59029" y="111898"/>
+            <a:ext cx="7152936" cy="895184"/>
+          </a:xfrm>
+        </p:spPr>
+        <p:txBody>
+          <a:bodyPr vert="horz" lIns="91440" tIns="45720" rIns="91440" bIns="45720" rtlCol="0" anchor="ctr">
+            <a:noAutofit/>
+          </a:bodyPr>
+          <a:lstStyle/>
+          <a:p>
+            <a:pPr algn="ctr"/>
+            <a:r>
+              <a:rPr lang="en-US" sz="4000" b="1" dirty="0">
+                <a:solidFill>
+                  <a:schemeClr val="bg1"/>
+                </a:solidFill>
+              </a:rPr>
+              <a:t>Multinomial Naïve Bayes Classifier</a:t>
+            </a:r>
+          </a:p>
+        </p:txBody>
+      </p:sp>
+      <p:pic>
+        <p:nvPicPr>
+          <p:cNvPr id="3" name="Picture 2">
+            <a:extLst>
+              <a:ext uri="{FF2B5EF4-FFF2-40B4-BE49-F238E27FC236}">
+                <a16:creationId xmlns:a16="http://schemas.microsoft.com/office/drawing/2014/main" id="{F7EEB457-28D4-7CC5-9DD2-2F29E70A8070}"/>
+              </a:ext>
+            </a:extLst>
+          </p:cNvPr>
+          <p:cNvPicPr>
+            <a:picLocks noChangeAspect="1"/>
+          </p:cNvPicPr>
+          <p:nvPr/>
+        </p:nvPicPr>
+        <p:blipFill>
+          <a:blip r:embed="rId4"/>
+          <a:stretch>
+            <a:fillRect/>
+          </a:stretch>
+        </p:blipFill>
+        <p:spPr>
+          <a:xfrm>
+            <a:off x="9768468" y="136525"/>
+            <a:ext cx="2324004" cy="345393"/>
+          </a:xfrm>
+          <a:prstGeom prst="rect">
+            <a:avLst/>
+          </a:prstGeom>
+        </p:spPr>
+      </p:pic>
+      <p:sp>
+        <p:nvSpPr>
+          <p:cNvPr id="4" name="Date Placeholder 3">
+            <a:extLst>
+              <a:ext uri="{FF2B5EF4-FFF2-40B4-BE49-F238E27FC236}">
+                <a16:creationId xmlns:a16="http://schemas.microsoft.com/office/drawing/2014/main" id="{3EACAE7E-5628-764E-8E18-BE9F34822A9E}"/>
+              </a:ext>
+            </a:extLst>
+          </p:cNvPr>
+          <p:cNvSpPr>
+            <a:spLocks noGrp="1"/>
+          </p:cNvSpPr>
+          <p:nvPr>
+            <p:ph type="dt" sz="half" idx="10"/>
+          </p:nvPr>
+        </p:nvSpPr>
+        <p:spPr/>
+        <p:txBody>
+          <a:bodyPr/>
+          <a:lstStyle/>
+          <a:p>
+            <a:r>
+              <a:rPr lang="en-DE"/>
+              <a:t>09/06/2023</a:t>
+            </a:r>
+          </a:p>
+        </p:txBody>
+      </p:sp>
+      <p:sp>
+        <p:nvSpPr>
+          <p:cNvPr id="5" name="Slide Number Placeholder 4">
+            <a:extLst>
+              <a:ext uri="{FF2B5EF4-FFF2-40B4-BE49-F238E27FC236}">
+                <a16:creationId xmlns:a16="http://schemas.microsoft.com/office/drawing/2014/main" id="{93A23751-531F-DE15-90AE-3D3630F610CD}"/>
+              </a:ext>
+            </a:extLst>
+          </p:cNvPr>
+          <p:cNvSpPr>
+            <a:spLocks noGrp="1"/>
+          </p:cNvSpPr>
+          <p:nvPr>
+            <p:ph type="sldNum" sz="quarter" idx="12"/>
+          </p:nvPr>
+        </p:nvSpPr>
+        <p:spPr/>
+        <p:txBody>
+          <a:bodyPr/>
+          <a:lstStyle/>
+          <a:p>
+            <a:fld id="{4FEEC90D-D43D-4637-8AB1-318B5662A3A0}" type="slidenum">
+              <a:rPr lang="en-DE" smtClean="0"/>
+              <a:t>13</a:t>
+            </a:fld>
+            <a:endParaRPr lang="en-DE"/>
+          </a:p>
+        </p:txBody>
+      </p:sp>
+      <p:pic>
+        <p:nvPicPr>
+          <p:cNvPr id="14" name="Picture 13">
+            <a:extLst>
+              <a:ext uri="{FF2B5EF4-FFF2-40B4-BE49-F238E27FC236}">
+                <a16:creationId xmlns:a16="http://schemas.microsoft.com/office/drawing/2014/main" id="{1BAD9109-C722-8ACE-5501-B8BBBCB49539}"/>
+              </a:ext>
+            </a:extLst>
+          </p:cNvPr>
+          <p:cNvPicPr>
+            <a:picLocks noChangeAspect="1"/>
+          </p:cNvPicPr>
+          <p:nvPr/>
+        </p:nvPicPr>
+        <p:blipFill rotWithShape="1">
+          <a:blip r:embed="rId5"/>
+          <a:srcRect b="3120"/>
+          <a:stretch/>
+        </p:blipFill>
+        <p:spPr>
+          <a:xfrm>
+            <a:off x="6755868" y="881431"/>
+            <a:ext cx="4419596" cy="5657481"/>
+          </a:xfrm>
+          <a:prstGeom prst="rect">
+            <a:avLst/>
+          </a:prstGeom>
+        </p:spPr>
+      </p:pic>
+      <p:pic>
+        <p:nvPicPr>
+          <p:cNvPr id="16" name="Picture 15">
+            <a:extLst>
+              <a:ext uri="{FF2B5EF4-FFF2-40B4-BE49-F238E27FC236}">
+                <a16:creationId xmlns:a16="http://schemas.microsoft.com/office/drawing/2014/main" id="{7E811BC3-0CBA-4B13-2584-CBDEF86658CF}"/>
+              </a:ext>
+            </a:extLst>
+          </p:cNvPr>
+          <p:cNvPicPr>
+            <a:picLocks noChangeAspect="1"/>
+          </p:cNvPicPr>
+          <p:nvPr/>
+        </p:nvPicPr>
+        <p:blipFill>
+          <a:blip r:embed="rId6"/>
+          <a:stretch>
+            <a:fillRect/>
+          </a:stretch>
+        </p:blipFill>
+        <p:spPr>
+          <a:xfrm>
+            <a:off x="838200" y="1023430"/>
+            <a:ext cx="4597934" cy="5196395"/>
+          </a:xfrm>
+          <a:prstGeom prst="rect">
+            <a:avLst/>
+          </a:prstGeom>
+        </p:spPr>
+      </p:pic>
+    </p:spTree>
+    <p:extLst>
+      <p:ext uri="{BB962C8B-B14F-4D97-AF65-F5344CB8AC3E}">
+        <p14:creationId xmlns:p14="http://schemas.microsoft.com/office/powerpoint/2010/main" val="3655326703"/>
+      </p:ext>
+    </p:extLst>
+  </p:cSld>
+  <p:clrMapOvr>
+    <a:masterClrMapping/>
+  </p:clrMapOvr>
+  <p:timing>
+    <p:tnLst>
+      <p:par>
+        <p:cTn id="1" dur="indefinite" restart="never" nodeType="tmRoot">
+          <p:childTnLst>
+            <p:seq concurrent="1" nextAc="seek">
+              <p:cTn id="2" dur="indefinite" nodeType="mainSeq">
+                <p:childTnLst>
+                  <p:par>
+                    <p:cTn id="3" fill="hold">
+                      <p:stCondLst>
+                        <p:cond delay="indefinite"/>
+                      </p:stCondLst>
+                      <p:childTnLst>
+                        <p:par>
+                          <p:cTn id="4" fill="hold">
+                            <p:stCondLst>
+                              <p:cond delay="0"/>
+                            </p:stCondLst>
+                            <p:childTnLst>
+                              <p:par>
+                                <p:cTn id="5" presetID="1" presetClass="entr" presetSubtype="0" fill="hold" nodeType="clickEffect">
+                                  <p:stCondLst>
+                                    <p:cond delay="0"/>
+                                  </p:stCondLst>
+                                  <p:childTnLst>
+                                    <p:set>
+                                      <p:cBhvr>
+                                        <p:cTn id="6" dur="1" fill="hold">
+                                          <p:stCondLst>
+                                            <p:cond delay="0"/>
+                                          </p:stCondLst>
+                                        </p:cTn>
+                                        <p:tgtEl>
+                                          <p:spTgt spid="16"/>
+                                        </p:tgtEl>
+                                        <p:attrNameLst>
+                                          <p:attrName>style.visibility</p:attrName>
+                                        </p:attrNameLst>
+                                      </p:cBhvr>
+                                      <p:to>
+                                        <p:strVal val="visible"/>
+                                      </p:to>
+                                    </p:set>
+                                  </p:childTnLst>
+                                </p:cTn>
+                              </p:par>
+                            </p:childTnLst>
+                          </p:cTn>
+                        </p:par>
+                      </p:childTnLst>
+                    </p:cTn>
+                  </p:par>
+                  <p:par>
+                    <p:cTn id="7" fill="hold">
+                      <p:stCondLst>
+                        <p:cond delay="indefinite"/>
+                      </p:stCondLst>
+                      <p:childTnLst>
+                        <p:par>
+                          <p:cTn id="8" fill="hold">
+                            <p:stCondLst>
+                              <p:cond delay="0"/>
+                            </p:stCondLst>
+                            <p:childTnLst>
+                              <p:par>
+                                <p:cTn id="9" presetID="1" presetClass="entr" presetSubtype="0" fill="hold" nodeType="clickEffect">
+                                  <p:stCondLst>
+                                    <p:cond delay="0"/>
+                                  </p:stCondLst>
+                                  <p:childTnLst>
+                                    <p:set>
+                                      <p:cBhvr>
+                                        <p:cTn id="10" dur="1" fill="hold">
+                                          <p:stCondLst>
+                                            <p:cond delay="0"/>
+                                          </p:stCondLst>
+                                        </p:cTn>
+                                        <p:tgtEl>
+                                          <p:spTgt spid="14"/>
+                                        </p:tgtEl>
+                                        <p:attrNameLst>
+                                          <p:attrName>style.visibility</p:attrName>
+                                        </p:attrNameLst>
+                                      </p:cBhvr>
+                                      <p:to>
+                                        <p:strVal val="visible"/>
+                                      </p:to>
+                                    </p:set>
+                                  </p:childTnLst>
+                                </p:cTn>
+                              </p:par>
+                            </p:childTnLst>
+                          </p:cTn>
+                        </p:par>
+                      </p:childTnLst>
+                    </p:cTn>
+                  </p:par>
+                </p:childTnLst>
+              </p:cTn>
+              <p:prevCondLst>
+                <p:cond evt="onPrev" delay="0">
+                  <p:tgtEl>
+                    <p:sldTgt/>
+                  </p:tgtEl>
+                </p:cond>
+              </p:prevCondLst>
+              <p:nextCondLst>
+                <p:cond evt="onNext" delay="0">
+                  <p:tgtEl>
+                    <p:sldTgt/>
+                  </p:tgtEl>
+                </p:cond>
+              </p:nextCondLst>
+            </p:seq>
+          </p:childTnLst>
+        </p:cTn>
+      </p:par>
+    </p:tnLst>
+  </p:timing>
+</p:sld>
+</file>
+
+<file path=ppt/slides/slide14.xml><?xml version="1.0" encoding="utf-8"?>
+<p:sld xmlns:a="http://schemas.openxmlformats.org/drawingml/2006/main" xmlns:r="http://schemas.openxmlformats.org/officeDocument/2006/relationships" xmlns:p="http://schemas.openxmlformats.org/presentationml/2006/main">
+  <p:cSld>
+    <p:spTree>
+      <p:nvGrpSpPr>
+        <p:cNvPr id="1" name=""/>
+        <p:cNvGrpSpPr/>
+        <p:nvPr/>
+      </p:nvGrpSpPr>
+      <p:grpSpPr>
+        <a:xfrm>
+          <a:off x="0" y="0"/>
+          <a:ext cx="0" cy="0"/>
+          <a:chOff x="0" y="0"/>
+          <a:chExt cx="0" cy="0"/>
+        </a:xfrm>
+      </p:grpSpPr>
+      <p:pic>
+        <p:nvPicPr>
+          <p:cNvPr id="8" name="Picture 7">
+            <a:extLst>
+              <a:ext uri="{FF2B5EF4-FFF2-40B4-BE49-F238E27FC236}">
+                <a16:creationId xmlns:a16="http://schemas.microsoft.com/office/drawing/2014/main" id="{D8CB3B7F-185C-46B8-F4E9-D19A861994CC}"/>
+              </a:ext>
+            </a:extLst>
+          </p:cNvPr>
+          <p:cNvPicPr>
+            <a:picLocks noChangeAspect="1"/>
+          </p:cNvPicPr>
+          <p:nvPr/>
+        </p:nvPicPr>
+        <p:blipFill rotWithShape="1">
+          <a:blip r:embed="rId3">
+            <a:duotone>
+              <a:prstClr val="black"/>
+              <a:schemeClr val="tx2">
+                <a:tint val="45000"/>
+                <a:satMod val="400000"/>
+              </a:schemeClr>
+            </a:duotone>
+            <a:alphaModFix amt="25000"/>
+          </a:blip>
+          <a:srcRect t="15730"/>
+          <a:stretch/>
+        </p:blipFill>
+        <p:spPr>
+          <a:xfrm>
+            <a:off x="20" y="10"/>
+            <a:ext cx="12191980" cy="6857990"/>
+          </a:xfrm>
+          <a:prstGeom prst="rect">
+            <a:avLst/>
+          </a:prstGeom>
+        </p:spPr>
+      </p:pic>
+      <p:sp>
+        <p:nvSpPr>
+          <p:cNvPr id="2" name="Title 1">
+            <a:extLst>
+              <a:ext uri="{FF2B5EF4-FFF2-40B4-BE49-F238E27FC236}">
+                <a16:creationId xmlns:a16="http://schemas.microsoft.com/office/drawing/2014/main" id="{F6D544CE-A2D7-99D1-CA01-4EE7B7FF489D}"/>
+              </a:ext>
+            </a:extLst>
+          </p:cNvPr>
+          <p:cNvSpPr>
+            <a:spLocks noGrp="1"/>
+          </p:cNvSpPr>
+          <p:nvPr>
+            <p:ph type="title"/>
+          </p:nvPr>
+        </p:nvSpPr>
+        <p:spPr>
+          <a:xfrm>
+            <a:off x="533400" y="309221"/>
+            <a:ext cx="10515600" cy="1062459"/>
+          </a:xfrm>
+        </p:spPr>
+        <p:txBody>
+          <a:bodyPr vert="horz" lIns="91440" tIns="45720" rIns="91440" bIns="45720" rtlCol="0" anchor="ctr">
+            <a:normAutofit/>
+          </a:bodyPr>
+          <a:lstStyle/>
+          <a:p>
+            <a:pPr algn="ctr"/>
+            <a:r>
+              <a:rPr lang="en-US" sz="6000" b="1" dirty="0">
+                <a:solidFill>
+                  <a:schemeClr val="bg1"/>
+                </a:solidFill>
+              </a:rPr>
+              <a:t>Naïve Bayes Classifier Comparison</a:t>
+            </a:r>
+          </a:p>
+        </p:txBody>
+      </p:sp>
+      <p:pic>
+        <p:nvPicPr>
+          <p:cNvPr id="3" name="Picture 2">
+            <a:extLst>
+              <a:ext uri="{FF2B5EF4-FFF2-40B4-BE49-F238E27FC236}">
+                <a16:creationId xmlns:a16="http://schemas.microsoft.com/office/drawing/2014/main" id="{F7EEB457-28D4-7CC5-9DD2-2F29E70A8070}"/>
+              </a:ext>
+            </a:extLst>
+          </p:cNvPr>
+          <p:cNvPicPr>
+            <a:picLocks noChangeAspect="1"/>
+          </p:cNvPicPr>
+          <p:nvPr/>
+        </p:nvPicPr>
+        <p:blipFill>
+          <a:blip r:embed="rId4"/>
+          <a:stretch>
+            <a:fillRect/>
+          </a:stretch>
+        </p:blipFill>
+        <p:spPr>
+          <a:xfrm>
+            <a:off x="9768468" y="136525"/>
+            <a:ext cx="2324004" cy="345393"/>
+          </a:xfrm>
+          <a:prstGeom prst="rect">
+            <a:avLst/>
+          </a:prstGeom>
+        </p:spPr>
+      </p:pic>
+      <p:sp>
+        <p:nvSpPr>
+          <p:cNvPr id="4" name="Date Placeholder 3">
+            <a:extLst>
+              <a:ext uri="{FF2B5EF4-FFF2-40B4-BE49-F238E27FC236}">
+                <a16:creationId xmlns:a16="http://schemas.microsoft.com/office/drawing/2014/main" id="{3EACAE7E-5628-764E-8E18-BE9F34822A9E}"/>
+              </a:ext>
+            </a:extLst>
+          </p:cNvPr>
+          <p:cNvSpPr>
+            <a:spLocks noGrp="1"/>
+          </p:cNvSpPr>
+          <p:nvPr>
+            <p:ph type="dt" sz="half" idx="10"/>
+          </p:nvPr>
+        </p:nvSpPr>
+        <p:spPr/>
+        <p:txBody>
+          <a:bodyPr/>
+          <a:lstStyle/>
+          <a:p>
+            <a:r>
+              <a:rPr lang="en-DE"/>
+              <a:t>09/06/2023</a:t>
+            </a:r>
+          </a:p>
+        </p:txBody>
+      </p:sp>
+      <p:sp>
+        <p:nvSpPr>
+          <p:cNvPr id="5" name="Slide Number Placeholder 4">
+            <a:extLst>
+              <a:ext uri="{FF2B5EF4-FFF2-40B4-BE49-F238E27FC236}">
+                <a16:creationId xmlns:a16="http://schemas.microsoft.com/office/drawing/2014/main" id="{93A23751-531F-DE15-90AE-3D3630F610CD}"/>
+              </a:ext>
+            </a:extLst>
+          </p:cNvPr>
+          <p:cNvSpPr>
+            <a:spLocks noGrp="1"/>
+          </p:cNvSpPr>
+          <p:nvPr>
+            <p:ph type="sldNum" sz="quarter" idx="12"/>
+          </p:nvPr>
+        </p:nvSpPr>
+        <p:spPr/>
+        <p:txBody>
+          <a:bodyPr/>
+          <a:lstStyle/>
+          <a:p>
+            <a:fld id="{4FEEC90D-D43D-4637-8AB1-318B5662A3A0}" type="slidenum">
+              <a:rPr lang="en-DE" smtClean="0"/>
+              <a:t>14</a:t>
             </a:fld>
             <a:endParaRPr lang="en-DE"/>
           </a:p>
@@ -11843,7 +13679,481 @@
 </p:sld>
 </file>
 
-<file path=ppt/slides/slide12.xml><?xml version="1.0" encoding="utf-8"?>
+<file path=ppt/slides/slide15.xml><?xml version="1.0" encoding="utf-8"?>
+<p:sld xmlns:a="http://schemas.openxmlformats.org/drawingml/2006/main" xmlns:r="http://schemas.openxmlformats.org/officeDocument/2006/relationships" xmlns:p="http://schemas.openxmlformats.org/presentationml/2006/main">
+  <p:cSld>
+    <p:spTree>
+      <p:nvGrpSpPr>
+        <p:cNvPr id="1" name=""/>
+        <p:cNvGrpSpPr/>
+        <p:nvPr/>
+      </p:nvGrpSpPr>
+      <p:grpSpPr>
+        <a:xfrm>
+          <a:off x="0" y="0"/>
+          <a:ext cx="0" cy="0"/>
+          <a:chOff x="0" y="0"/>
+          <a:chExt cx="0" cy="0"/>
+        </a:xfrm>
+      </p:grpSpPr>
+      <p:pic>
+        <p:nvPicPr>
+          <p:cNvPr id="8" name="Picture 7">
+            <a:extLst>
+              <a:ext uri="{FF2B5EF4-FFF2-40B4-BE49-F238E27FC236}">
+                <a16:creationId xmlns:a16="http://schemas.microsoft.com/office/drawing/2014/main" id="{D8CB3B7F-185C-46B8-F4E9-D19A861994CC}"/>
+              </a:ext>
+            </a:extLst>
+          </p:cNvPr>
+          <p:cNvPicPr>
+            <a:picLocks noChangeAspect="1"/>
+          </p:cNvPicPr>
+          <p:nvPr/>
+        </p:nvPicPr>
+        <p:blipFill rotWithShape="1">
+          <a:blip r:embed="rId3">
+            <a:duotone>
+              <a:prstClr val="black"/>
+              <a:schemeClr val="tx2">
+                <a:tint val="45000"/>
+                <a:satMod val="400000"/>
+              </a:schemeClr>
+            </a:duotone>
+            <a:alphaModFix amt="25000"/>
+          </a:blip>
+          <a:srcRect t="15730"/>
+          <a:stretch/>
+        </p:blipFill>
+        <p:spPr>
+          <a:xfrm>
+            <a:off x="22143" y="-12159"/>
+            <a:ext cx="12191980" cy="6857990"/>
+          </a:xfrm>
+          <a:prstGeom prst="rect">
+            <a:avLst/>
+          </a:prstGeom>
+        </p:spPr>
+      </p:pic>
+      <p:sp>
+        <p:nvSpPr>
+          <p:cNvPr id="2" name="Title 1">
+            <a:extLst>
+              <a:ext uri="{FF2B5EF4-FFF2-40B4-BE49-F238E27FC236}">
+                <a16:creationId xmlns:a16="http://schemas.microsoft.com/office/drawing/2014/main" id="{F6D544CE-A2D7-99D1-CA01-4EE7B7FF489D}"/>
+              </a:ext>
+            </a:extLst>
+          </p:cNvPr>
+          <p:cNvSpPr>
+            <a:spLocks noGrp="1"/>
+          </p:cNvSpPr>
+          <p:nvPr>
+            <p:ph type="title"/>
+          </p:nvPr>
+        </p:nvSpPr>
+        <p:spPr>
+          <a:xfrm>
+            <a:off x="-114960" y="321402"/>
+            <a:ext cx="12284817" cy="1062459"/>
+          </a:xfrm>
+        </p:spPr>
+        <p:txBody>
+          <a:bodyPr vert="horz" lIns="91440" tIns="45720" rIns="91440" bIns="45720" rtlCol="0" anchor="ctr">
+            <a:normAutofit fontScale="90000"/>
+          </a:bodyPr>
+          <a:lstStyle/>
+          <a:p>
+            <a:pPr algn="ctr"/>
+            <a:r>
+              <a:rPr lang="en-US" sz="6000" b="1" dirty="0">
+                <a:solidFill>
+                  <a:schemeClr val="bg1"/>
+                </a:solidFill>
+              </a:rPr>
+              <a:t>Naïve Bayes Advantages and Disadvantages</a:t>
+            </a:r>
+          </a:p>
+        </p:txBody>
+      </p:sp>
+      <p:pic>
+        <p:nvPicPr>
+          <p:cNvPr id="3" name="Picture 2">
+            <a:extLst>
+              <a:ext uri="{FF2B5EF4-FFF2-40B4-BE49-F238E27FC236}">
+                <a16:creationId xmlns:a16="http://schemas.microsoft.com/office/drawing/2014/main" id="{F7EEB457-28D4-7CC5-9DD2-2F29E70A8070}"/>
+              </a:ext>
+            </a:extLst>
+          </p:cNvPr>
+          <p:cNvPicPr>
+            <a:picLocks noChangeAspect="1"/>
+          </p:cNvPicPr>
+          <p:nvPr/>
+        </p:nvPicPr>
+        <p:blipFill>
+          <a:blip r:embed="rId4"/>
+          <a:stretch>
+            <a:fillRect/>
+          </a:stretch>
+        </p:blipFill>
+        <p:spPr>
+          <a:xfrm>
+            <a:off x="9768468" y="136525"/>
+            <a:ext cx="2324004" cy="345393"/>
+          </a:xfrm>
+          <a:prstGeom prst="rect">
+            <a:avLst/>
+          </a:prstGeom>
+        </p:spPr>
+      </p:pic>
+      <p:sp>
+        <p:nvSpPr>
+          <p:cNvPr id="4" name="Date Placeholder 3">
+            <a:extLst>
+              <a:ext uri="{FF2B5EF4-FFF2-40B4-BE49-F238E27FC236}">
+                <a16:creationId xmlns:a16="http://schemas.microsoft.com/office/drawing/2014/main" id="{3EACAE7E-5628-764E-8E18-BE9F34822A9E}"/>
+              </a:ext>
+            </a:extLst>
+          </p:cNvPr>
+          <p:cNvSpPr>
+            <a:spLocks noGrp="1"/>
+          </p:cNvSpPr>
+          <p:nvPr>
+            <p:ph type="dt" sz="half" idx="10"/>
+          </p:nvPr>
+        </p:nvSpPr>
+        <p:spPr/>
+        <p:txBody>
+          <a:bodyPr/>
+          <a:lstStyle/>
+          <a:p>
+            <a:r>
+              <a:rPr lang="en-DE"/>
+              <a:t>09/06/2023</a:t>
+            </a:r>
+          </a:p>
+        </p:txBody>
+      </p:sp>
+      <p:sp>
+        <p:nvSpPr>
+          <p:cNvPr id="5" name="Slide Number Placeholder 4">
+            <a:extLst>
+              <a:ext uri="{FF2B5EF4-FFF2-40B4-BE49-F238E27FC236}">
+                <a16:creationId xmlns:a16="http://schemas.microsoft.com/office/drawing/2014/main" id="{93A23751-531F-DE15-90AE-3D3630F610CD}"/>
+              </a:ext>
+            </a:extLst>
+          </p:cNvPr>
+          <p:cNvSpPr>
+            <a:spLocks noGrp="1"/>
+          </p:cNvSpPr>
+          <p:nvPr>
+            <p:ph type="sldNum" sz="quarter" idx="12"/>
+          </p:nvPr>
+        </p:nvSpPr>
+        <p:spPr/>
+        <p:txBody>
+          <a:bodyPr/>
+          <a:lstStyle/>
+          <a:p>
+            <a:fld id="{4FEEC90D-D43D-4637-8AB1-318B5662A3A0}" type="slidenum">
+              <a:rPr lang="en-DE" smtClean="0"/>
+              <a:t>15</a:t>
+            </a:fld>
+            <a:endParaRPr lang="en-DE"/>
+          </a:p>
+        </p:txBody>
+      </p:sp>
+      <p:sp>
+        <p:nvSpPr>
+          <p:cNvPr id="17" name="TextBox 16">
+            <a:extLst>
+              <a:ext uri="{FF2B5EF4-FFF2-40B4-BE49-F238E27FC236}">
+                <a16:creationId xmlns:a16="http://schemas.microsoft.com/office/drawing/2014/main" id="{8791BCAF-04B6-1B30-968D-3013133A39B7}"/>
+              </a:ext>
+            </a:extLst>
+          </p:cNvPr>
+          <p:cNvSpPr txBox="1"/>
+          <p:nvPr/>
+        </p:nvSpPr>
+        <p:spPr>
+          <a:xfrm>
+            <a:off x="414870" y="3834518"/>
+            <a:ext cx="11362260" cy="2125582"/>
+          </a:xfrm>
+          <a:prstGeom prst="rect">
+            <a:avLst/>
+          </a:prstGeom>
+          <a:noFill/>
+        </p:spPr>
+        <p:txBody>
+          <a:bodyPr wrap="square">
+            <a:spAutoFit/>
+          </a:bodyPr>
+          <a:lstStyle/>
+          <a:p>
+            <a:pPr marL="285750" indent="-285750" algn="just">
+              <a:lnSpc>
+                <a:spcPct val="150000"/>
+              </a:lnSpc>
+              <a:buFont typeface="Wingdings" panose="05000000000000000000" pitchFamily="2" charset="2"/>
+              <a:buChar char="Ø"/>
+            </a:pPr>
+            <a:r>
+              <a:rPr lang="en-GB" b="0" i="1" dirty="0">
+                <a:solidFill>
+                  <a:schemeClr val="bg1"/>
+                </a:solidFill>
+                <a:effectLst/>
+                <a:latin typeface="Noto serif" panose="02020600060500020200" pitchFamily="18" charset="0"/>
+                <a:ea typeface="Noto serif" panose="02020600060500020200" pitchFamily="18" charset="0"/>
+                <a:cs typeface="Noto serif" panose="02020600060500020200" pitchFamily="18" charset="0"/>
+              </a:rPr>
+              <a:t>The assumption of independent features. In practice, it is almost impossible that model will get a set of predictors which are entirely independent. This can lead to incorrect classifications.</a:t>
+            </a:r>
+          </a:p>
+          <a:p>
+            <a:pPr marL="285750" indent="-285750" algn="just">
+              <a:lnSpc>
+                <a:spcPct val="150000"/>
+              </a:lnSpc>
+              <a:buFont typeface="Wingdings" panose="05000000000000000000" pitchFamily="2" charset="2"/>
+              <a:buChar char="Ø"/>
+            </a:pPr>
+            <a:r>
+              <a:rPr lang="en-GB" b="0" i="1" dirty="0">
+                <a:solidFill>
+                  <a:schemeClr val="bg1"/>
+                </a:solidFill>
+                <a:effectLst/>
+                <a:latin typeface="Noto serif" panose="02020600060500020200" pitchFamily="18" charset="0"/>
+                <a:ea typeface="Noto serif" panose="02020600060500020200" pitchFamily="18" charset="0"/>
+                <a:cs typeface="Noto serif" panose="02020600060500020200" pitchFamily="18" charset="0"/>
+              </a:rPr>
+              <a:t>If there is no training tuple of a particular class, this causes zero posterior probability. In this case, the model is unable to make predictions i.e., Zero frequency occurs when a categorical variable does not exist within the training set.</a:t>
+            </a:r>
+          </a:p>
+        </p:txBody>
+      </p:sp>
+      <p:sp>
+        <p:nvSpPr>
+          <p:cNvPr id="7" name="TextBox 6">
+            <a:extLst>
+              <a:ext uri="{FF2B5EF4-FFF2-40B4-BE49-F238E27FC236}">
+                <a16:creationId xmlns:a16="http://schemas.microsoft.com/office/drawing/2014/main" id="{B78417C6-EF38-8B0C-7DB6-B716259EAD4C}"/>
+              </a:ext>
+            </a:extLst>
+          </p:cNvPr>
+          <p:cNvSpPr txBox="1"/>
+          <p:nvPr/>
+        </p:nvSpPr>
+        <p:spPr>
+          <a:xfrm>
+            <a:off x="559386" y="1551339"/>
+            <a:ext cx="11217744" cy="1710084"/>
+          </a:xfrm>
+          <a:prstGeom prst="rect">
+            <a:avLst/>
+          </a:prstGeom>
+          <a:noFill/>
+        </p:spPr>
+        <p:txBody>
+          <a:bodyPr wrap="square" rtlCol="0">
+            <a:spAutoFit/>
+          </a:bodyPr>
+          <a:lstStyle/>
+          <a:p>
+            <a:pPr marL="285750" indent="-285750">
+              <a:lnSpc>
+                <a:spcPct val="150000"/>
+              </a:lnSpc>
+              <a:buFont typeface="Wingdings" panose="05000000000000000000" pitchFamily="2" charset="2"/>
+              <a:buChar char="Ø"/>
+            </a:pPr>
+            <a:r>
+              <a:rPr lang="en-GB" b="0" i="1" dirty="0">
+                <a:solidFill>
+                  <a:schemeClr val="bg1"/>
+                </a:solidFill>
+                <a:effectLst/>
+                <a:latin typeface="Noto serif" panose="02020600060500020200" pitchFamily="18" charset="0"/>
+                <a:ea typeface="Noto serif" panose="02020600060500020200" pitchFamily="18" charset="0"/>
+                <a:cs typeface="Noto serif" panose="02020600060500020200" pitchFamily="18" charset="0"/>
+              </a:rPr>
+              <a:t>It can efficiently work on a high dimensional dataset</a:t>
+            </a:r>
+            <a:endParaRPr lang="en-DE" i="1" dirty="0">
+              <a:solidFill>
+                <a:schemeClr val="bg1"/>
+              </a:solidFill>
+              <a:latin typeface="Noto serif" panose="02020600060500020200" pitchFamily="18" charset="0"/>
+              <a:ea typeface="Noto serif" panose="02020600060500020200" pitchFamily="18" charset="0"/>
+              <a:cs typeface="Noto serif" panose="02020600060500020200" pitchFamily="18" charset="0"/>
+            </a:endParaRPr>
+          </a:p>
+          <a:p>
+            <a:pPr marL="285750" indent="-285750" algn="just">
+              <a:lnSpc>
+                <a:spcPct val="150000"/>
+              </a:lnSpc>
+              <a:buFont typeface="Wingdings" panose="05000000000000000000" pitchFamily="2" charset="2"/>
+              <a:buChar char="Ø"/>
+            </a:pPr>
+            <a:r>
+              <a:rPr lang="en-GB" b="0" i="1" dirty="0">
+                <a:solidFill>
+                  <a:schemeClr val="bg1"/>
+                </a:solidFill>
+                <a:effectLst/>
+                <a:latin typeface="Noto serif" panose="02020600060500020200" pitchFamily="18" charset="0"/>
+                <a:ea typeface="Noto serif" panose="02020600060500020200" pitchFamily="18" charset="0"/>
+                <a:cs typeface="Noto serif" panose="02020600060500020200" pitchFamily="18" charset="0"/>
+              </a:rPr>
+              <a:t>Naive Bayes has a very low computation cost</a:t>
+            </a:r>
+          </a:p>
+          <a:p>
+            <a:pPr marL="285750" indent="-285750" algn="just">
+              <a:lnSpc>
+                <a:spcPct val="150000"/>
+              </a:lnSpc>
+              <a:buFont typeface="Wingdings" panose="05000000000000000000" pitchFamily="2" charset="2"/>
+              <a:buChar char="Ø"/>
+            </a:pPr>
+            <a:r>
+              <a:rPr lang="en-GB" b="0" i="1" dirty="0">
+                <a:solidFill>
+                  <a:schemeClr val="bg1"/>
+                </a:solidFill>
+                <a:effectLst/>
+                <a:latin typeface="Noto serif" panose="02020600060500020200" pitchFamily="18" charset="0"/>
+                <a:ea typeface="Noto serif" panose="02020600060500020200" pitchFamily="18" charset="0"/>
+                <a:cs typeface="Noto serif" panose="02020600060500020200" pitchFamily="18" charset="0"/>
+              </a:rPr>
+              <a:t>When the assumption of independence holds, a Naive Bayes classifier performs better compared to other models like logistic regression</a:t>
+            </a:r>
+            <a:endParaRPr lang="en-DE" i="1" dirty="0">
+              <a:solidFill>
+                <a:schemeClr val="bg1"/>
+              </a:solidFill>
+              <a:latin typeface="Noto serif" panose="02020600060500020200" pitchFamily="18" charset="0"/>
+              <a:ea typeface="Noto serif" panose="02020600060500020200" pitchFamily="18" charset="0"/>
+              <a:cs typeface="Noto serif" panose="02020600060500020200" pitchFamily="18" charset="0"/>
+            </a:endParaRPr>
+          </a:p>
+        </p:txBody>
+      </p:sp>
+      <p:sp>
+        <p:nvSpPr>
+          <p:cNvPr id="10" name="TextBox 9">
+            <a:extLst>
+              <a:ext uri="{FF2B5EF4-FFF2-40B4-BE49-F238E27FC236}">
+                <a16:creationId xmlns:a16="http://schemas.microsoft.com/office/drawing/2014/main" id="{E08A90E8-8F70-AAB9-C5D1-5035405F87DD}"/>
+              </a:ext>
+            </a:extLst>
+          </p:cNvPr>
+          <p:cNvSpPr txBox="1"/>
+          <p:nvPr/>
+        </p:nvSpPr>
+        <p:spPr>
+          <a:xfrm>
+            <a:off x="559386" y="1184620"/>
+            <a:ext cx="1492716" cy="369332"/>
+          </a:xfrm>
+          <a:prstGeom prst="rect">
+            <a:avLst/>
+          </a:prstGeom>
+          <a:noFill/>
+        </p:spPr>
+        <p:txBody>
+          <a:bodyPr wrap="none" rtlCol="0">
+            <a:spAutoFit/>
+          </a:bodyPr>
+          <a:lstStyle/>
+          <a:p>
+            <a:r>
+              <a:rPr lang="en-GB" b="1" dirty="0">
+                <a:solidFill>
+                  <a:schemeClr val="bg1"/>
+                </a:solidFill>
+                <a:latin typeface="Noto serif" panose="02020600060500020200" pitchFamily="18" charset="0"/>
+                <a:ea typeface="Noto serif" panose="02020600060500020200" pitchFamily="18" charset="0"/>
+                <a:cs typeface="Noto serif" panose="02020600060500020200" pitchFamily="18" charset="0"/>
+              </a:rPr>
+              <a:t>Advantages</a:t>
+            </a:r>
+            <a:endParaRPr lang="en-DE" b="1" dirty="0">
+              <a:solidFill>
+                <a:schemeClr val="bg1"/>
+              </a:solidFill>
+              <a:latin typeface="Noto serif" panose="02020600060500020200" pitchFamily="18" charset="0"/>
+              <a:ea typeface="Noto serif" panose="02020600060500020200" pitchFamily="18" charset="0"/>
+              <a:cs typeface="Noto serif" panose="02020600060500020200" pitchFamily="18" charset="0"/>
+            </a:endParaRPr>
+          </a:p>
+        </p:txBody>
+      </p:sp>
+      <p:sp>
+        <p:nvSpPr>
+          <p:cNvPr id="12" name="TextBox 11">
+            <a:extLst>
+              <a:ext uri="{FF2B5EF4-FFF2-40B4-BE49-F238E27FC236}">
+                <a16:creationId xmlns:a16="http://schemas.microsoft.com/office/drawing/2014/main" id="{EA717B00-F0BA-42A5-4CB1-A780C9AFCF07}"/>
+              </a:ext>
+            </a:extLst>
+          </p:cNvPr>
+          <p:cNvSpPr txBox="1"/>
+          <p:nvPr/>
+        </p:nvSpPr>
+        <p:spPr>
+          <a:xfrm>
+            <a:off x="559386" y="3525496"/>
+            <a:ext cx="1840568" cy="369332"/>
+          </a:xfrm>
+          <a:prstGeom prst="rect">
+            <a:avLst/>
+          </a:prstGeom>
+          <a:noFill/>
+        </p:spPr>
+        <p:txBody>
+          <a:bodyPr wrap="none" rtlCol="0">
+            <a:spAutoFit/>
+          </a:bodyPr>
+          <a:lstStyle/>
+          <a:p>
+            <a:r>
+              <a:rPr lang="en-GB" b="1" dirty="0">
+                <a:solidFill>
+                  <a:schemeClr val="bg1"/>
+                </a:solidFill>
+                <a:latin typeface="Noto serif" panose="02020600060500020200" pitchFamily="18" charset="0"/>
+                <a:ea typeface="Noto serif" panose="02020600060500020200" pitchFamily="18" charset="0"/>
+                <a:cs typeface="Noto serif" panose="02020600060500020200" pitchFamily="18" charset="0"/>
+              </a:rPr>
+              <a:t>Disadvantages</a:t>
+            </a:r>
+            <a:endParaRPr lang="en-DE" b="1" dirty="0">
+              <a:solidFill>
+                <a:schemeClr val="bg1"/>
+              </a:solidFill>
+              <a:latin typeface="Noto serif" panose="02020600060500020200" pitchFamily="18" charset="0"/>
+              <a:ea typeface="Noto serif" panose="02020600060500020200" pitchFamily="18" charset="0"/>
+              <a:cs typeface="Noto serif" panose="02020600060500020200" pitchFamily="18" charset="0"/>
+            </a:endParaRPr>
+          </a:p>
+        </p:txBody>
+      </p:sp>
+    </p:spTree>
+    <p:extLst>
+      <p:ext uri="{BB962C8B-B14F-4D97-AF65-F5344CB8AC3E}">
+        <p14:creationId xmlns:p14="http://schemas.microsoft.com/office/powerpoint/2010/main" val="4016893195"/>
+      </p:ext>
+    </p:extLst>
+  </p:cSld>
+  <p:clrMapOvr>
+    <a:masterClrMapping/>
+  </p:clrMapOvr>
+</p:sld>
+</file>
+
+<file path=ppt/slides/slide16.xml><?xml version="1.0" encoding="utf-8"?>
 <p:sld xmlns:a="http://schemas.openxmlformats.org/drawingml/2006/main" xmlns:r="http://schemas.openxmlformats.org/officeDocument/2006/relationships" xmlns:p="http://schemas.openxmlformats.org/presentationml/2006/main">
   <p:cSld>
     <p:spTree>
@@ -11916,8 +14226,8 @@
         </p:nvSpPr>
         <p:spPr>
           <a:xfrm>
-            <a:off x="414870" y="309221"/>
-            <a:ext cx="10515600" cy="1062459"/>
+            <a:off x="440791" y="180994"/>
+            <a:ext cx="10515600" cy="857934"/>
           </a:xfrm>
         </p:spPr>
         <p:txBody>
@@ -11933,7 +14243,7 @@
                   <a:schemeClr val="bg1"/>
                 </a:solidFill>
               </a:rPr>
-              <a:t>Naïve Bayes Advantages and Disadvantages</a:t>
+              <a:t>Summary</a:t>
             </a:r>
           </a:p>
         </p:txBody>
@@ -12019,48 +14329,177 @@
           <a:p>
             <a:fld id="{4FEEC90D-D43D-4637-8AB1-318B5662A3A0}" type="slidenum">
               <a:rPr lang="en-DE" smtClean="0"/>
-              <a:t>12</a:t>
+              <a:t>16</a:t>
             </a:fld>
             <a:endParaRPr lang="en-DE"/>
           </a:p>
         </p:txBody>
       </p:sp>
-    </p:spTree>
-    <p:extLst>
-      <p:ext uri="{BB962C8B-B14F-4D97-AF65-F5344CB8AC3E}">
-        <p14:creationId xmlns:p14="http://schemas.microsoft.com/office/powerpoint/2010/main" val="4016893195"/>
-      </p:ext>
-    </p:extLst>
-  </p:cSld>
-  <p:clrMapOvr>
-    <a:masterClrMapping/>
-  </p:clrMapOvr>
-</p:sld>
-</file>
-
-<file path=ppt/slides/slide13.xml><?xml version="1.0" encoding="utf-8"?>
-<p:sld xmlns:a="http://schemas.openxmlformats.org/drawingml/2006/main" xmlns:r="http://schemas.openxmlformats.org/officeDocument/2006/relationships" xmlns:p="http://schemas.openxmlformats.org/presentationml/2006/main">
-  <p:cSld>
-    <p:spTree>
-      <p:nvGrpSpPr>
-        <p:cNvPr id="1" name=""/>
-        <p:cNvGrpSpPr/>
-        <p:nvPr/>
-      </p:nvGrpSpPr>
-      <p:grpSpPr>
-        <a:xfrm>
-          <a:off x="0" y="0"/>
-          <a:ext cx="0" cy="0"/>
-          <a:chOff x="0" y="0"/>
-          <a:chExt cx="0" cy="0"/>
-        </a:xfrm>
-      </p:grpSpPr>
       <p:pic>
         <p:nvPicPr>
-          <p:cNvPr id="8" name="Picture 7">
-            <a:extLst>
-              <a:ext uri="{FF2B5EF4-FFF2-40B4-BE49-F238E27FC236}">
-                <a16:creationId xmlns:a16="http://schemas.microsoft.com/office/drawing/2014/main" id="{D8CB3B7F-185C-46B8-F4E9-D19A861994CC}"/>
+          <p:cNvPr id="6" name="Picture 2" descr="Bayes' theorem">
+            <a:extLst>
+              <a:ext uri="{FF2B5EF4-FFF2-40B4-BE49-F238E27FC236}">
+                <a16:creationId xmlns:a16="http://schemas.microsoft.com/office/drawing/2014/main" id="{BB0CC3FD-4AB2-81C8-A5D0-D63B062AEF66}"/>
+              </a:ext>
+            </a:extLst>
+          </p:cNvPr>
+          <p:cNvPicPr>
+            <a:picLocks noChangeAspect="1" noChangeArrowheads="1"/>
+          </p:cNvPicPr>
+          <p:nvPr/>
+        </p:nvPicPr>
+        <p:blipFill>
+          <a:blip r:embed="rId5">
+            <a:extLst>
+              <a:ext uri="{28A0092B-C50C-407E-A947-70E740481C1C}">
+                <a14:useLocalDpi xmlns:a14="http://schemas.microsoft.com/office/drawing/2010/main" val="0"/>
+              </a:ext>
+            </a:extLst>
+          </a:blip>
+          <a:srcRect/>
+          <a:stretch>
+            <a:fillRect/>
+          </a:stretch>
+        </p:blipFill>
+        <p:spPr bwMode="auto">
+          <a:xfrm>
+            <a:off x="460236" y="3183839"/>
+            <a:ext cx="4818914" cy="2507006"/>
+          </a:xfrm>
+          <a:prstGeom prst="rect">
+            <a:avLst/>
+          </a:prstGeom>
+          <a:noFill/>
+          <a:extLst>
+            <a:ext uri="{909E8E84-426E-40DD-AFC4-6F175D3DCCD1}">
+              <a14:hiddenFill xmlns:a14="http://schemas.microsoft.com/office/drawing/2010/main">
+                <a:solidFill>
+                  <a:srgbClr val="FFFFFF"/>
+                </a:solidFill>
+              </a14:hiddenFill>
+            </a:ext>
+          </a:extLst>
+        </p:spPr>
+      </p:pic>
+      <p:sp>
+        <p:nvSpPr>
+          <p:cNvPr id="7" name="TextBox 6">
+            <a:extLst>
+              <a:ext uri="{FF2B5EF4-FFF2-40B4-BE49-F238E27FC236}">
+                <a16:creationId xmlns:a16="http://schemas.microsoft.com/office/drawing/2014/main" id="{D9C25E22-A9E4-F4C8-A53E-C478D8D8882B}"/>
+              </a:ext>
+            </a:extLst>
+          </p:cNvPr>
+          <p:cNvSpPr txBox="1"/>
+          <p:nvPr/>
+        </p:nvSpPr>
+        <p:spPr>
+          <a:xfrm>
+            <a:off x="440791" y="1323037"/>
+            <a:ext cx="4107216" cy="1477328"/>
+          </a:xfrm>
+          <a:prstGeom prst="rect">
+            <a:avLst/>
+          </a:prstGeom>
+          <a:noFill/>
+        </p:spPr>
+        <p:txBody>
+          <a:bodyPr wrap="square" rtlCol="0">
+            <a:spAutoFit/>
+          </a:bodyPr>
+          <a:lstStyle/>
+          <a:p>
+            <a:pPr marL="285750" indent="-285750" algn="just">
+              <a:buFont typeface="Wingdings" panose="05000000000000000000" pitchFamily="2" charset="2"/>
+              <a:buChar char="Ø"/>
+            </a:pPr>
+            <a:r>
+              <a:rPr lang="en-GB" b="0" i="1" dirty="0">
+                <a:solidFill>
+                  <a:schemeClr val="bg1"/>
+                </a:solidFill>
+                <a:effectLst/>
+                <a:latin typeface="Noto serif" panose="02020600060500020200" pitchFamily="18" charset="0"/>
+              </a:rPr>
+              <a:t>Naïve Bayes Classification is mostly used as a baseline for classification problem </a:t>
+            </a:r>
+            <a:r>
+              <a:rPr lang="en-GB" i="1" dirty="0">
+                <a:solidFill>
+                  <a:schemeClr val="bg1"/>
+                </a:solidFill>
+                <a:latin typeface="Noto serif" panose="02020600060500020200" pitchFamily="18" charset="0"/>
+              </a:rPr>
+              <a:t>based on  the principle of the Bayesian Theorem</a:t>
+            </a:r>
+          </a:p>
+        </p:txBody>
+      </p:sp>
+      <p:sp>
+        <p:nvSpPr>
+          <p:cNvPr id="12" name="TextBox 11">
+            <a:extLst>
+              <a:ext uri="{FF2B5EF4-FFF2-40B4-BE49-F238E27FC236}">
+                <a16:creationId xmlns:a16="http://schemas.microsoft.com/office/drawing/2014/main" id="{C57A0B40-DF26-20EE-F1E4-893E80712745}"/>
+              </a:ext>
+            </a:extLst>
+          </p:cNvPr>
+          <p:cNvSpPr txBox="1"/>
+          <p:nvPr/>
+        </p:nvSpPr>
+        <p:spPr>
+          <a:xfrm>
+            <a:off x="6677138" y="1371680"/>
+            <a:ext cx="4981462" cy="879087"/>
+          </a:xfrm>
+          <a:prstGeom prst="rect">
+            <a:avLst/>
+          </a:prstGeom>
+          <a:noFill/>
+        </p:spPr>
+        <p:txBody>
+          <a:bodyPr wrap="square" rtlCol="0">
+            <a:spAutoFit/>
+          </a:bodyPr>
+          <a:lstStyle/>
+          <a:p>
+            <a:pPr marL="285750" indent="-285750" algn="just">
+              <a:lnSpc>
+                <a:spcPct val="150000"/>
+              </a:lnSpc>
+              <a:buFont typeface="Wingdings" panose="05000000000000000000" pitchFamily="2" charset="2"/>
+              <a:buChar char="Ø"/>
+            </a:pPr>
+            <a:r>
+              <a:rPr lang="en-GB" b="0" i="1" dirty="0">
+                <a:solidFill>
+                  <a:schemeClr val="bg1"/>
+                </a:solidFill>
+                <a:effectLst/>
+                <a:latin typeface="Noto serif" panose="02020600060500020200" pitchFamily="18" charset="0"/>
+                <a:ea typeface="Noto serif" panose="02020600060500020200" pitchFamily="18" charset="0"/>
+                <a:cs typeface="Noto serif" panose="02020600060500020200" pitchFamily="18" charset="0"/>
+              </a:rPr>
+              <a:t>BernoulliNB include better performance on some datasets.</a:t>
+            </a:r>
+            <a:endParaRPr lang="en-DE" i="1" dirty="0">
+              <a:solidFill>
+                <a:schemeClr val="bg1"/>
+              </a:solidFill>
+              <a:latin typeface="Noto serif" panose="02020600060500020200" pitchFamily="18" charset="0"/>
+              <a:ea typeface="Noto serif" panose="02020600060500020200" pitchFamily="18" charset="0"/>
+              <a:cs typeface="Noto serif" panose="02020600060500020200" pitchFamily="18" charset="0"/>
+            </a:endParaRPr>
+          </a:p>
+        </p:txBody>
+      </p:sp>
+      <p:pic>
+        <p:nvPicPr>
+          <p:cNvPr id="11" name="Picture 10">
+            <a:extLst>
+              <a:ext uri="{FF2B5EF4-FFF2-40B4-BE49-F238E27FC236}">
+                <a16:creationId xmlns:a16="http://schemas.microsoft.com/office/drawing/2014/main" id="{D00676C4-5156-3C83-4610-EDF4847D312E}"/>
               </a:ext>
             </a:extLst>
           </p:cNvPr>
@@ -12069,157 +14508,22 @@
           </p:cNvPicPr>
           <p:nvPr/>
         </p:nvPicPr>
-        <p:blipFill rotWithShape="1">
-          <a:blip r:embed="rId3">
-            <a:duotone>
-              <a:prstClr val="black"/>
-              <a:schemeClr val="tx2">
-                <a:tint val="45000"/>
-                <a:satMod val="400000"/>
-              </a:schemeClr>
-            </a:duotone>
-            <a:alphaModFix amt="25000"/>
-          </a:blip>
-          <a:srcRect t="15730"/>
-          <a:stretch/>
+        <p:blipFill>
+          <a:blip r:embed="rId6"/>
+          <a:stretch>
+            <a:fillRect/>
+          </a:stretch>
         </p:blipFill>
         <p:spPr>
           <a:xfrm>
-            <a:off x="20" y="10"/>
-            <a:ext cx="12191980" cy="6857990"/>
+            <a:off x="7123152" y="2763523"/>
+            <a:ext cx="4107216" cy="3099133"/>
           </a:xfrm>
           <a:prstGeom prst="rect">
             <a:avLst/>
           </a:prstGeom>
         </p:spPr>
       </p:pic>
-      <p:sp>
-        <p:nvSpPr>
-          <p:cNvPr id="2" name="Title 1">
-            <a:extLst>
-              <a:ext uri="{FF2B5EF4-FFF2-40B4-BE49-F238E27FC236}">
-                <a16:creationId xmlns:a16="http://schemas.microsoft.com/office/drawing/2014/main" id="{F6D544CE-A2D7-99D1-CA01-4EE7B7FF489D}"/>
-              </a:ext>
-            </a:extLst>
-          </p:cNvPr>
-          <p:cNvSpPr>
-            <a:spLocks noGrp="1"/>
-          </p:cNvSpPr>
-          <p:nvPr>
-            <p:ph type="title"/>
-          </p:nvPr>
-        </p:nvSpPr>
-        <p:spPr>
-          <a:xfrm>
-            <a:off x="533400" y="309221"/>
-            <a:ext cx="10515600" cy="1062459"/>
-          </a:xfrm>
-        </p:spPr>
-        <p:txBody>
-          <a:bodyPr vert="horz" lIns="91440" tIns="45720" rIns="91440" bIns="45720" rtlCol="0" anchor="ctr">
-            <a:normAutofit/>
-          </a:bodyPr>
-          <a:lstStyle/>
-          <a:p>
-            <a:pPr algn="ctr"/>
-            <a:r>
-              <a:rPr lang="en-US" sz="6000" b="1" dirty="0">
-                <a:solidFill>
-                  <a:schemeClr val="bg1"/>
-                </a:solidFill>
-              </a:rPr>
-              <a:t>Summary</a:t>
-            </a:r>
-          </a:p>
-        </p:txBody>
-      </p:sp>
-      <p:pic>
-        <p:nvPicPr>
-          <p:cNvPr id="3" name="Picture 2">
-            <a:extLst>
-              <a:ext uri="{FF2B5EF4-FFF2-40B4-BE49-F238E27FC236}">
-                <a16:creationId xmlns:a16="http://schemas.microsoft.com/office/drawing/2014/main" id="{F7EEB457-28D4-7CC5-9DD2-2F29E70A8070}"/>
-              </a:ext>
-            </a:extLst>
-          </p:cNvPr>
-          <p:cNvPicPr>
-            <a:picLocks noChangeAspect="1"/>
-          </p:cNvPicPr>
-          <p:nvPr/>
-        </p:nvPicPr>
-        <p:blipFill>
-          <a:blip r:embed="rId4"/>
-          <a:stretch>
-            <a:fillRect/>
-          </a:stretch>
-        </p:blipFill>
-        <p:spPr>
-          <a:xfrm>
-            <a:off x="9768468" y="136525"/>
-            <a:ext cx="2324004" cy="345393"/>
-          </a:xfrm>
-          <a:prstGeom prst="rect">
-            <a:avLst/>
-          </a:prstGeom>
-        </p:spPr>
-      </p:pic>
-      <p:sp>
-        <p:nvSpPr>
-          <p:cNvPr id="4" name="Date Placeholder 3">
-            <a:extLst>
-              <a:ext uri="{FF2B5EF4-FFF2-40B4-BE49-F238E27FC236}">
-                <a16:creationId xmlns:a16="http://schemas.microsoft.com/office/drawing/2014/main" id="{3EACAE7E-5628-764E-8E18-BE9F34822A9E}"/>
-              </a:ext>
-            </a:extLst>
-          </p:cNvPr>
-          <p:cNvSpPr>
-            <a:spLocks noGrp="1"/>
-          </p:cNvSpPr>
-          <p:nvPr>
-            <p:ph type="dt" sz="half" idx="10"/>
-          </p:nvPr>
-        </p:nvSpPr>
-        <p:spPr/>
-        <p:txBody>
-          <a:bodyPr/>
-          <a:lstStyle/>
-          <a:p>
-            <a:r>
-              <a:rPr lang="en-DE"/>
-              <a:t>09/06/2023</a:t>
-            </a:r>
-          </a:p>
-        </p:txBody>
-      </p:sp>
-      <p:sp>
-        <p:nvSpPr>
-          <p:cNvPr id="5" name="Slide Number Placeholder 4">
-            <a:extLst>
-              <a:ext uri="{FF2B5EF4-FFF2-40B4-BE49-F238E27FC236}">
-                <a16:creationId xmlns:a16="http://schemas.microsoft.com/office/drawing/2014/main" id="{93A23751-531F-DE15-90AE-3D3630F610CD}"/>
-              </a:ext>
-            </a:extLst>
-          </p:cNvPr>
-          <p:cNvSpPr>
-            <a:spLocks noGrp="1"/>
-          </p:cNvSpPr>
-          <p:nvPr>
-            <p:ph type="sldNum" sz="quarter" idx="12"/>
-          </p:nvPr>
-        </p:nvSpPr>
-        <p:spPr/>
-        <p:txBody>
-          <a:bodyPr/>
-          <a:lstStyle/>
-          <a:p>
-            <a:fld id="{4FEEC90D-D43D-4637-8AB1-318B5662A3A0}" type="slidenum">
-              <a:rPr lang="en-DE" smtClean="0"/>
-              <a:t>13</a:t>
-            </a:fld>
-            <a:endParaRPr lang="en-DE"/>
-          </a:p>
-        </p:txBody>
-      </p:sp>
     </p:spTree>
     <p:extLst>
       <p:ext uri="{BB962C8B-B14F-4D97-AF65-F5344CB8AC3E}">
@@ -12233,7 +14537,7 @@
 </p:sld>
 </file>
 
-<file path=ppt/slides/slide14.xml><?xml version="1.0" encoding="utf-8"?>
+<file path=ppt/slides/slide17.xml><?xml version="1.0" encoding="utf-8"?>
 <p:sld xmlns:a="http://schemas.openxmlformats.org/drawingml/2006/main" xmlns:r="http://schemas.openxmlformats.org/officeDocument/2006/relationships" xmlns:p="http://schemas.openxmlformats.org/presentationml/2006/main">
   <p:cSld>
     <p:spTree>
@@ -12306,8 +14610,8 @@
         </p:nvSpPr>
         <p:spPr>
           <a:xfrm>
-            <a:off x="838200" y="309221"/>
-            <a:ext cx="10515600" cy="1137104"/>
+            <a:off x="838199" y="136525"/>
+            <a:ext cx="10515600" cy="965716"/>
           </a:xfrm>
         </p:spPr>
         <p:txBody>
@@ -12318,7 +14622,11 @@
           <a:p>
             <a:pPr algn="ctr"/>
             <a:r>
-              <a:rPr lang="en-US" sz="6000" b="1" dirty="0"/>
+              <a:rPr lang="en-US" sz="6000" b="1" dirty="0">
+                <a:solidFill>
+                  <a:schemeClr val="bg1"/>
+                </a:solidFill>
+              </a:rPr>
               <a:t>References</a:t>
             </a:r>
           </a:p>
@@ -12405,87 +14713,303 @@
           <a:p>
             <a:fld id="{4FEEC90D-D43D-4637-8AB1-318B5662A3A0}" type="slidenum">
               <a:rPr lang="en-DE" smtClean="0"/>
-              <a:t>14</a:t>
+              <a:t>17</a:t>
             </a:fld>
             <a:endParaRPr lang="en-DE"/>
           </a:p>
         </p:txBody>
       </p:sp>
-      <p:sp>
-        <p:nvSpPr>
-          <p:cNvPr id="5" name="TextBox 4">
-            <a:extLst>
-              <a:ext uri="{FF2B5EF4-FFF2-40B4-BE49-F238E27FC236}">
-                <a16:creationId xmlns:a16="http://schemas.microsoft.com/office/drawing/2014/main" id="{DA02CC63-FE2D-700B-110D-E10D3AF2494A}"/>
-              </a:ext>
-            </a:extLst>
-          </p:cNvPr>
-          <p:cNvSpPr txBox="1"/>
+      <p:grpSp>
+        <p:nvGrpSpPr>
+          <p:cNvPr id="15" name="Group 14">
+            <a:extLst>
+              <a:ext uri="{FF2B5EF4-FFF2-40B4-BE49-F238E27FC236}">
+                <a16:creationId xmlns:a16="http://schemas.microsoft.com/office/drawing/2014/main" id="{D4DD504A-01E0-C96F-B193-5992954D5B17}"/>
+              </a:ext>
+            </a:extLst>
+          </p:cNvPr>
+          <p:cNvGrpSpPr/>
           <p:nvPr/>
-        </p:nvSpPr>
-        <p:spPr>
+        </p:nvGrpSpPr>
+        <p:grpSpPr>
           <a:xfrm>
-            <a:off x="317240" y="2604901"/>
-            <a:ext cx="10105053" cy="646331"/>
+            <a:off x="1043472" y="2409456"/>
+            <a:ext cx="10105053" cy="2639679"/>
+            <a:chOff x="394877" y="2577723"/>
+            <a:chExt cx="10105053" cy="2639679"/>
           </a:xfrm>
-          <a:prstGeom prst="rect">
-            <a:avLst/>
-          </a:prstGeom>
-          <a:noFill/>
-        </p:spPr>
-        <p:txBody>
-          <a:bodyPr wrap="square">
-            <a:spAutoFit/>
-          </a:bodyPr>
-          <a:lstStyle/>
-          <a:p>
-            <a:pPr marR="0" algn="l" rtl="0"/>
-            <a:r>
-              <a:rPr lang="en-GB" sz="1800" b="0" i="0" u="none" strike="noStrike" baseline="0" dirty="0">
-                <a:latin typeface="Segoe UI" panose="020B0502040204020203" pitchFamily="34" charset="0"/>
-              </a:rPr>
-              <a:t>[1] </a:t>
-            </a:r>
-            <a:r>
-              <a:rPr lang="en-GB" sz="1800" b="0" i="0" u="none" strike="noStrike" baseline="0" dirty="0" err="1">
-                <a:latin typeface="Segoe UI" panose="020B0502040204020203" pitchFamily="34" charset="0"/>
-              </a:rPr>
-              <a:t>Sunila</a:t>
-            </a:r>
-            <a:r>
-              <a:rPr lang="en-GB" sz="1800" b="0" i="0" u="none" strike="noStrike" baseline="0" dirty="0">
-                <a:latin typeface="Segoe UI" panose="020B0502040204020203" pitchFamily="34" charset="0"/>
-              </a:rPr>
-              <a:t> </a:t>
-            </a:r>
-            <a:r>
-              <a:rPr lang="en-GB" sz="1800" b="0" i="0" u="none" strike="noStrike" baseline="0" dirty="0" err="1">
-                <a:latin typeface="Segoe UI" panose="020B0502040204020203" pitchFamily="34" charset="0"/>
-              </a:rPr>
-              <a:t>Gollapudi</a:t>
-            </a:r>
-            <a:r>
-              <a:rPr lang="en-GB" sz="1800" b="0" i="0" u="none" strike="noStrike" baseline="0" dirty="0">
-                <a:latin typeface="Segoe UI" panose="020B0502040204020203" pitchFamily="34" charset="0"/>
-              </a:rPr>
-              <a:t> (2016): Practical Machine Learning (9781784399689). Available online at </a:t>
-            </a:r>
-            <a:r>
-              <a:rPr lang="en-GB" sz="1800" b="0" i="0" u="none" strike="noStrike" baseline="0" dirty="0">
-                <a:latin typeface="Segoe UI" panose="020B0502040204020203" pitchFamily="34" charset="0"/>
-                <a:hlinkClick r:id="rId4"/>
-              </a:rPr>
-              <a:t>https://learning.oreilly.com/library/view/practical-machine-learning/9781784399689/ch01s05.html</a:t>
-            </a:r>
-            <a:r>
-              <a:rPr lang="en-GB" sz="1800" b="0" i="0" u="none" strike="noStrike" baseline="0" dirty="0">
-                <a:latin typeface="Segoe UI" panose="020B0502040204020203" pitchFamily="34" charset="0"/>
-              </a:rPr>
-              <a:t>.</a:t>
-            </a:r>
-          </a:p>
-        </p:txBody>
-      </p:sp>
+        </p:grpSpPr>
+        <p:sp>
+          <p:nvSpPr>
+            <p:cNvPr id="5" name="TextBox 4">
+              <a:extLst>
+                <a:ext uri="{FF2B5EF4-FFF2-40B4-BE49-F238E27FC236}">
+                  <a16:creationId xmlns:a16="http://schemas.microsoft.com/office/drawing/2014/main" id="{DA02CC63-FE2D-700B-110D-E10D3AF2494A}"/>
+                </a:ext>
+              </a:extLst>
+            </p:cNvPr>
+            <p:cNvSpPr txBox="1"/>
+            <p:nvPr/>
+          </p:nvSpPr>
+          <p:spPr>
+            <a:xfrm>
+              <a:off x="394877" y="2577723"/>
+              <a:ext cx="10105053" cy="923330"/>
+            </a:xfrm>
+            <a:prstGeom prst="rect">
+              <a:avLst/>
+            </a:prstGeom>
+            <a:noFill/>
+          </p:spPr>
+          <p:txBody>
+            <a:bodyPr wrap="square">
+              <a:spAutoFit/>
+            </a:bodyPr>
+            <a:lstStyle/>
+            <a:p>
+              <a:pPr marR="0" algn="l" rtl="0"/>
+              <a:r>
+                <a:rPr lang="en-GB" sz="1800" b="0" i="0" u="none" strike="noStrike" baseline="0" dirty="0">
+                  <a:solidFill>
+                    <a:schemeClr val="bg1"/>
+                  </a:solidFill>
+                  <a:latin typeface="Noto serif" panose="02020600060500020200" pitchFamily="18" charset="0"/>
+                  <a:ea typeface="Noto serif" panose="02020600060500020200" pitchFamily="18" charset="0"/>
+                  <a:cs typeface="Noto serif" panose="02020600060500020200" pitchFamily="18" charset="0"/>
+                </a:rPr>
+                <a:t>[1] </a:t>
+              </a:r>
+              <a:r>
+                <a:rPr lang="en-GB" sz="1800" b="0" i="0" u="none" strike="noStrike" baseline="0" dirty="0" err="1">
+                  <a:solidFill>
+                    <a:schemeClr val="bg1"/>
+                  </a:solidFill>
+                  <a:latin typeface="Noto serif" panose="02020600060500020200" pitchFamily="18" charset="0"/>
+                  <a:ea typeface="Noto serif" panose="02020600060500020200" pitchFamily="18" charset="0"/>
+                  <a:cs typeface="Noto serif" panose="02020600060500020200" pitchFamily="18" charset="0"/>
+                </a:rPr>
+                <a:t>Sunila</a:t>
+              </a:r>
+              <a:r>
+                <a:rPr lang="en-GB" sz="1800" b="0" i="0" u="none" strike="noStrike" baseline="0" dirty="0">
+                  <a:solidFill>
+                    <a:schemeClr val="bg1"/>
+                  </a:solidFill>
+                  <a:latin typeface="Noto serif" panose="02020600060500020200" pitchFamily="18" charset="0"/>
+                  <a:ea typeface="Noto serif" panose="02020600060500020200" pitchFamily="18" charset="0"/>
+                  <a:cs typeface="Noto serif" panose="02020600060500020200" pitchFamily="18" charset="0"/>
+                </a:rPr>
+                <a:t> </a:t>
+              </a:r>
+              <a:r>
+                <a:rPr lang="en-GB" sz="1800" b="0" i="0" u="none" strike="noStrike" baseline="0" dirty="0" err="1">
+                  <a:solidFill>
+                    <a:schemeClr val="bg1"/>
+                  </a:solidFill>
+                  <a:latin typeface="Noto serif" panose="02020600060500020200" pitchFamily="18" charset="0"/>
+                  <a:ea typeface="Noto serif" panose="02020600060500020200" pitchFamily="18" charset="0"/>
+                  <a:cs typeface="Noto serif" panose="02020600060500020200" pitchFamily="18" charset="0"/>
+                </a:rPr>
+                <a:t>Gollapudi</a:t>
+              </a:r>
+              <a:r>
+                <a:rPr lang="en-GB" sz="1800" b="0" i="0" u="none" strike="noStrike" baseline="0" dirty="0">
+                  <a:solidFill>
+                    <a:schemeClr val="bg1"/>
+                  </a:solidFill>
+                  <a:latin typeface="Noto serif" panose="02020600060500020200" pitchFamily="18" charset="0"/>
+                  <a:ea typeface="Noto serif" panose="02020600060500020200" pitchFamily="18" charset="0"/>
+                  <a:cs typeface="Noto serif" panose="02020600060500020200" pitchFamily="18" charset="0"/>
+                </a:rPr>
+                <a:t> (2016): Practical Machine Learning (9781784399689). Available online at </a:t>
+              </a:r>
+              <a:r>
+                <a:rPr lang="en-GB" sz="1800" b="0" i="0" u="none" strike="noStrike" baseline="0" dirty="0">
+                  <a:solidFill>
+                    <a:srgbClr val="FFFF00"/>
+                  </a:solidFill>
+                  <a:latin typeface="Noto serif" panose="02020600060500020200" pitchFamily="18" charset="0"/>
+                  <a:ea typeface="Noto serif" panose="02020600060500020200" pitchFamily="18" charset="0"/>
+                  <a:cs typeface="Noto serif" panose="02020600060500020200" pitchFamily="18" charset="0"/>
+                  <a:hlinkClick r:id="rId4">
+                    <a:extLst>
+                      <a:ext uri="{A12FA001-AC4F-418D-AE19-62706E023703}">
+                        <ahyp:hlinkClr xmlns:ahyp="http://schemas.microsoft.com/office/drawing/2018/hyperlinkcolor" val="tx"/>
+                      </a:ext>
+                    </a:extLst>
+                  </a:hlinkClick>
+                </a:rPr>
+                <a:t>https://learning.oreilly.com/library/view/practical-machine-learning/9781784399689/ch01s05.html</a:t>
+              </a:r>
+              <a:r>
+                <a:rPr lang="en-GB" sz="1800" b="0" i="0" u="none" strike="noStrike" baseline="0" dirty="0">
+                  <a:latin typeface="Noto serif" panose="02020600060500020200" pitchFamily="18" charset="0"/>
+                  <a:ea typeface="Noto serif" panose="02020600060500020200" pitchFamily="18" charset="0"/>
+                  <a:cs typeface="Noto serif" panose="02020600060500020200" pitchFamily="18" charset="0"/>
+                </a:rPr>
+                <a:t>.</a:t>
+              </a:r>
+            </a:p>
+          </p:txBody>
+        </p:sp>
+        <p:sp>
+          <p:nvSpPr>
+            <p:cNvPr id="7" name="TextBox 6">
+              <a:extLst>
+                <a:ext uri="{FF2B5EF4-FFF2-40B4-BE49-F238E27FC236}">
+                  <a16:creationId xmlns:a16="http://schemas.microsoft.com/office/drawing/2014/main" id="{15282830-49FB-C997-CDF9-A87331933CDE}"/>
+                </a:ext>
+              </a:extLst>
+            </p:cNvPr>
+            <p:cNvSpPr txBox="1"/>
+            <p:nvPr/>
+          </p:nvSpPr>
+          <p:spPr>
+            <a:xfrm>
+              <a:off x="394877" y="3716671"/>
+              <a:ext cx="9836051" cy="369332"/>
+            </a:xfrm>
+            <a:prstGeom prst="rect">
+              <a:avLst/>
+            </a:prstGeom>
+            <a:noFill/>
+          </p:spPr>
+          <p:txBody>
+            <a:bodyPr wrap="square">
+              <a:spAutoFit/>
+            </a:bodyPr>
+            <a:lstStyle/>
+            <a:p>
+              <a:r>
+                <a:rPr lang="en-GB" dirty="0">
+                  <a:solidFill>
+                    <a:srgbClr val="FFFF00"/>
+                  </a:solidFill>
+                  <a:hlinkClick r:id="rId5">
+                    <a:extLst>
+                      <a:ext uri="{A12FA001-AC4F-418D-AE19-62706E023703}">
+                        <ahyp:hlinkClr xmlns:ahyp="http://schemas.microsoft.com/office/drawing/2018/hyperlinkcolor" val="tx"/>
+                      </a:ext>
+                    </a:extLst>
+                  </a:hlinkClick>
+                </a:rPr>
+                <a:t>[2] </a:t>
+              </a:r>
+              <a:r>
+                <a:rPr lang="en-DE" dirty="0">
+                  <a:solidFill>
+                    <a:srgbClr val="FFFF00"/>
+                  </a:solidFill>
+                  <a:hlinkClick r:id="rId5">
+                    <a:extLst>
+                      <a:ext uri="{A12FA001-AC4F-418D-AE19-62706E023703}">
+                        <ahyp:hlinkClr xmlns:ahyp="http://schemas.microsoft.com/office/drawing/2018/hyperlinkcolor" val="tx"/>
+                      </a:ext>
+                    </a:extLst>
+                  </a:hlinkClick>
+                </a:rPr>
+                <a:t>https://www.datacamp.com/tutorial/naive-bayes-scikit-learn</a:t>
+              </a:r>
+              <a:endParaRPr lang="en-DE" dirty="0">
+                <a:solidFill>
+                  <a:srgbClr val="FFFF00"/>
+                </a:solidFill>
+              </a:endParaRPr>
+            </a:p>
+          </p:txBody>
+        </p:sp>
+        <p:sp>
+          <p:nvSpPr>
+            <p:cNvPr id="14" name="TextBox 13">
+              <a:extLst>
+                <a:ext uri="{FF2B5EF4-FFF2-40B4-BE49-F238E27FC236}">
+                  <a16:creationId xmlns:a16="http://schemas.microsoft.com/office/drawing/2014/main" id="{EDD569F9-BC7B-3246-1192-E522CAE98CBE}"/>
+                </a:ext>
+              </a:extLst>
+            </p:cNvPr>
+            <p:cNvSpPr txBox="1"/>
+            <p:nvPr/>
+          </p:nvSpPr>
+          <p:spPr>
+            <a:xfrm>
+              <a:off x="394877" y="4294072"/>
+              <a:ext cx="10105053" cy="923330"/>
+            </a:xfrm>
+            <a:prstGeom prst="rect">
+              <a:avLst/>
+            </a:prstGeom>
+            <a:noFill/>
+          </p:spPr>
+          <p:txBody>
+            <a:bodyPr wrap="square">
+              <a:spAutoFit/>
+            </a:bodyPr>
+            <a:lstStyle/>
+            <a:p>
+              <a:pPr marR="0" algn="l" rtl="0"/>
+              <a:r>
+                <a:rPr lang="en-GB" sz="1800" b="0" i="0" u="none" strike="noStrike" baseline="0" dirty="0">
+                  <a:solidFill>
+                    <a:schemeClr val="bg1"/>
+                  </a:solidFill>
+                  <a:latin typeface="Noto serif" panose="02020600060500020200" pitchFamily="18" charset="0"/>
+                  <a:ea typeface="Noto serif" panose="02020600060500020200" pitchFamily="18" charset="0"/>
+                  <a:cs typeface="Noto serif" panose="02020600060500020200" pitchFamily="18" charset="0"/>
+                </a:rPr>
+                <a:t>[3] Jake </a:t>
+              </a:r>
+              <a:r>
+                <a:rPr lang="en-GB" sz="1800" b="0" i="0" u="none" strike="noStrike" baseline="0" dirty="0" err="1">
+                  <a:solidFill>
+                    <a:schemeClr val="bg1"/>
+                  </a:solidFill>
+                  <a:latin typeface="Noto serif" panose="02020600060500020200" pitchFamily="18" charset="0"/>
+                  <a:ea typeface="Noto serif" panose="02020600060500020200" pitchFamily="18" charset="0"/>
+                  <a:cs typeface="Noto serif" panose="02020600060500020200" pitchFamily="18" charset="0"/>
+                </a:rPr>
+                <a:t>VanderPlas</a:t>
+              </a:r>
+              <a:r>
+                <a:rPr lang="en-GB" sz="1800" b="0" i="0" u="none" strike="noStrike" baseline="0" dirty="0">
+                  <a:solidFill>
+                    <a:schemeClr val="bg1"/>
+                  </a:solidFill>
+                  <a:latin typeface="Noto serif" panose="02020600060500020200" pitchFamily="18" charset="0"/>
+                  <a:ea typeface="Noto serif" panose="02020600060500020200" pitchFamily="18" charset="0"/>
+                  <a:cs typeface="Noto serif" panose="02020600060500020200" pitchFamily="18" charset="0"/>
+                </a:rPr>
+                <a:t> (2022): Python Data Science Handbook, 2nd Edition (9781098121228). Available online at </a:t>
+              </a:r>
+              <a:r>
+                <a:rPr lang="en-GB" sz="1800" b="0" i="0" u="none" strike="noStrike" baseline="0" dirty="0">
+                  <a:solidFill>
+                    <a:srgbClr val="FFFF00"/>
+                  </a:solidFill>
+                  <a:latin typeface="Noto serif" panose="02020600060500020200" pitchFamily="18" charset="0"/>
+                  <a:ea typeface="Noto serif" panose="02020600060500020200" pitchFamily="18" charset="0"/>
+                  <a:cs typeface="Noto serif" panose="02020600060500020200" pitchFamily="18" charset="0"/>
+                  <a:hlinkClick r:id="rId6">
+                    <a:extLst>
+                      <a:ext uri="{A12FA001-AC4F-418D-AE19-62706E023703}">
+                        <ahyp:hlinkClr xmlns:ahyp="http://schemas.microsoft.com/office/drawing/2018/hyperlinkcolor" val="tx"/>
+                      </a:ext>
+                    </a:extLst>
+                  </a:hlinkClick>
+                </a:rPr>
+                <a:t>https://learning.oreilly.com/library/view/python-data-science/9781098121211/.</a:t>
+              </a:r>
+              <a:endParaRPr lang="en-GB" sz="1800" b="0" i="0" u="none" strike="noStrike" baseline="0" dirty="0">
+                <a:solidFill>
+                  <a:srgbClr val="FFFF00"/>
+                </a:solidFill>
+                <a:latin typeface="Noto serif" panose="02020600060500020200" pitchFamily="18" charset="0"/>
+                <a:ea typeface="Noto serif" panose="02020600060500020200" pitchFamily="18" charset="0"/>
+                <a:cs typeface="Noto serif" panose="02020600060500020200" pitchFamily="18" charset="0"/>
+              </a:endParaRPr>
+            </a:p>
+          </p:txBody>
+        </p:sp>
+      </p:grpSp>
     </p:spTree>
     <p:extLst>
       <p:ext uri="{BB962C8B-B14F-4D97-AF65-F5344CB8AC3E}">
@@ -12499,7 +15023,7 @@
 </p:sld>
 </file>
 
-<file path=ppt/slides/slide15.xml><?xml version="1.0" encoding="utf-8"?>
+<file path=ppt/slides/slide18.xml><?xml version="1.0" encoding="utf-8"?>
 <p:sld xmlns:a="http://schemas.openxmlformats.org/drawingml/2006/main" xmlns:r="http://schemas.openxmlformats.org/officeDocument/2006/relationships" xmlns:p="http://schemas.openxmlformats.org/presentationml/2006/main">
   <p:cSld>
     <p:bg>
@@ -14408,13 +16932,13 @@
         </p:nvSpPr>
         <p:spPr>
           <a:xfrm>
-            <a:off x="838200" y="309221"/>
-            <a:ext cx="10515600" cy="1062459"/>
+            <a:off x="485430" y="163077"/>
+            <a:ext cx="8797628" cy="827301"/>
           </a:xfrm>
         </p:spPr>
         <p:txBody>
           <a:bodyPr vert="horz" lIns="91440" tIns="45720" rIns="91440" bIns="45720" rtlCol="0" anchor="ctr">
-            <a:normAutofit/>
+            <a:normAutofit fontScale="90000"/>
           </a:bodyPr>
           <a:lstStyle/>
           <a:p>
@@ -14596,6 +17120,59 @@
           </a:graphicData>
         </a:graphic>
       </p:graphicFrame>
+      <p:sp>
+        <p:nvSpPr>
+          <p:cNvPr id="7" name="TextBox 6">
+            <a:extLst>
+              <a:ext uri="{FF2B5EF4-FFF2-40B4-BE49-F238E27FC236}">
+                <a16:creationId xmlns:a16="http://schemas.microsoft.com/office/drawing/2014/main" id="{2EABDA88-B2C9-766B-EA5F-73D8BF0B6ED9}"/>
+              </a:ext>
+            </a:extLst>
+          </p:cNvPr>
+          <p:cNvSpPr txBox="1"/>
+          <p:nvPr/>
+        </p:nvSpPr>
+        <p:spPr>
+          <a:xfrm>
+            <a:off x="1723313" y="5831245"/>
+            <a:ext cx="8797628" cy="369332"/>
+          </a:xfrm>
+          <a:prstGeom prst="rect">
+            <a:avLst/>
+          </a:prstGeom>
+          <a:noFill/>
+        </p:spPr>
+        <p:txBody>
+          <a:bodyPr wrap="square" rtlCol="0">
+            <a:spAutoFit/>
+          </a:bodyPr>
+          <a:lstStyle/>
+          <a:p>
+            <a:pPr algn="ctr"/>
+            <a:r>
+              <a:rPr lang="en-GB" b="0" i="0" dirty="0">
+                <a:solidFill>
+                  <a:schemeClr val="bg1"/>
+                </a:solidFill>
+                <a:effectLst/>
+                <a:highlight>
+                  <a:srgbClr val="800000"/>
+                </a:highlight>
+                <a:latin typeface="Noto serif" panose="02020600060500020200" pitchFamily="18" charset="0"/>
+              </a:rPr>
+              <a:t>The main aim of Naïve bayes is for classifying high dimensional data set.</a:t>
+            </a:r>
+            <a:endParaRPr lang="en-DE" dirty="0">
+              <a:solidFill>
+                <a:schemeClr val="bg1"/>
+              </a:solidFill>
+              <a:highlight>
+                <a:srgbClr val="800000"/>
+              </a:highlight>
+            </a:endParaRPr>
+          </a:p>
+        </p:txBody>
+      </p:sp>
     </p:spTree>
     <p:extLst>
       <p:ext uri="{BB962C8B-B14F-4D97-AF65-F5344CB8AC3E}">
@@ -14975,13 +17552,13 @@
         </p:nvSpPr>
         <p:spPr>
           <a:xfrm>
-            <a:off x="533400" y="309221"/>
-            <a:ext cx="10515600" cy="1062459"/>
+            <a:off x="398169" y="136525"/>
+            <a:ext cx="9816860" cy="820839"/>
           </a:xfrm>
         </p:spPr>
         <p:txBody>
           <a:bodyPr vert="horz" lIns="91440" tIns="45720" rIns="91440" bIns="45720" rtlCol="0" anchor="ctr">
-            <a:normAutofit/>
+            <a:normAutofit fontScale="90000"/>
           </a:bodyPr>
           <a:lstStyle/>
           <a:p>
@@ -15084,6 +17661,188 @@
           </a:p>
         </p:txBody>
       </p:sp>
+      <p:sp>
+        <p:nvSpPr>
+          <p:cNvPr id="9" name="TextBox 8">
+            <a:extLst>
+              <a:ext uri="{FF2B5EF4-FFF2-40B4-BE49-F238E27FC236}">
+                <a16:creationId xmlns:a16="http://schemas.microsoft.com/office/drawing/2014/main" id="{C3C3E63A-48FC-DCE3-8A37-F2390798A629}"/>
+              </a:ext>
+            </a:extLst>
+          </p:cNvPr>
+          <p:cNvSpPr txBox="1"/>
+          <p:nvPr/>
+        </p:nvSpPr>
+        <p:spPr>
+          <a:xfrm>
+            <a:off x="398169" y="1682149"/>
+            <a:ext cx="4030019" cy="3892476"/>
+          </a:xfrm>
+          <a:prstGeom prst="rect">
+            <a:avLst/>
+          </a:prstGeom>
+          <a:noFill/>
+        </p:spPr>
+        <p:txBody>
+          <a:bodyPr wrap="square" rtlCol="0">
+            <a:spAutoFit/>
+          </a:bodyPr>
+          <a:lstStyle/>
+          <a:p>
+            <a:pPr marL="285750" indent="-285750" algn="just">
+              <a:lnSpc>
+                <a:spcPct val="200000"/>
+              </a:lnSpc>
+              <a:buFont typeface="Wingdings" panose="05000000000000000000" pitchFamily="2" charset="2"/>
+              <a:buChar char="Ø"/>
+            </a:pPr>
+            <a:r>
+              <a:rPr lang="en-GB" b="0" i="1" dirty="0">
+                <a:solidFill>
+                  <a:schemeClr val="bg1"/>
+                </a:solidFill>
+                <a:effectLst/>
+                <a:latin typeface="Noto serif" panose="02020600060500020200" pitchFamily="18" charset="0"/>
+              </a:rPr>
+              <a:t>Used with Gaussian distributions i.e., normal distributions for each of the features</a:t>
+            </a:r>
+          </a:p>
+          <a:p>
+            <a:pPr marL="285750" indent="-285750" algn="just">
+              <a:lnSpc>
+                <a:spcPct val="200000"/>
+              </a:lnSpc>
+              <a:buFont typeface="Wingdings" panose="05000000000000000000" pitchFamily="2" charset="2"/>
+              <a:buChar char="Ø"/>
+            </a:pPr>
+            <a:endParaRPr lang="en-GB" b="0" i="1" dirty="0">
+              <a:solidFill>
+                <a:schemeClr val="bg1"/>
+              </a:solidFill>
+              <a:effectLst/>
+              <a:latin typeface="Noto serif" panose="02020600060500020200" pitchFamily="18" charset="0"/>
+            </a:endParaRPr>
+          </a:p>
+          <a:p>
+            <a:pPr marL="285750" indent="-285750" algn="just">
+              <a:lnSpc>
+                <a:spcPct val="200000"/>
+              </a:lnSpc>
+              <a:buFont typeface="Wingdings" panose="05000000000000000000" pitchFamily="2" charset="2"/>
+              <a:buChar char="Ø"/>
+            </a:pPr>
+            <a:r>
+              <a:rPr lang="en-GB" i="1" dirty="0">
+                <a:solidFill>
+                  <a:schemeClr val="bg1"/>
+                </a:solidFill>
+                <a:latin typeface="Noto serif" panose="02020600060500020200" pitchFamily="18" charset="0"/>
+              </a:rPr>
+              <a:t>The model is fitted by finding the mean and standard deviation of each class</a:t>
+            </a:r>
+            <a:endParaRPr lang="en-DE" i="1" dirty="0">
+              <a:solidFill>
+                <a:schemeClr val="bg1"/>
+              </a:solidFill>
+            </a:endParaRPr>
+          </a:p>
+        </p:txBody>
+      </p:sp>
+      <p:grpSp>
+        <p:nvGrpSpPr>
+          <p:cNvPr id="11" name="Group 10">
+            <a:extLst>
+              <a:ext uri="{FF2B5EF4-FFF2-40B4-BE49-F238E27FC236}">
+                <a16:creationId xmlns:a16="http://schemas.microsoft.com/office/drawing/2014/main" id="{C4650DF0-5474-03AE-9E3A-D318A64A90CA}"/>
+              </a:ext>
+            </a:extLst>
+          </p:cNvPr>
+          <p:cNvGrpSpPr/>
+          <p:nvPr/>
+        </p:nvGrpSpPr>
+        <p:grpSpPr>
+          <a:xfrm>
+            <a:off x="5255304" y="1839472"/>
+            <a:ext cx="6870466" cy="3391194"/>
+            <a:chOff x="5255304" y="1839472"/>
+            <a:chExt cx="6870466" cy="3391194"/>
+          </a:xfrm>
+        </p:grpSpPr>
+        <p:pic>
+          <p:nvPicPr>
+            <p:cNvPr id="7" name="Picture 6">
+              <a:extLst>
+                <a:ext uri="{FF2B5EF4-FFF2-40B4-BE49-F238E27FC236}">
+                  <a16:creationId xmlns:a16="http://schemas.microsoft.com/office/drawing/2014/main" id="{F84A4EED-595B-33B8-D5E0-866D48F7D756}"/>
+                </a:ext>
+              </a:extLst>
+            </p:cNvPr>
+            <p:cNvPicPr>
+              <a:picLocks noChangeAspect="1"/>
+            </p:cNvPicPr>
+            <p:nvPr/>
+          </p:nvPicPr>
+          <p:blipFill>
+            <a:blip r:embed="rId5"/>
+            <a:stretch>
+              <a:fillRect/>
+            </a:stretch>
+          </p:blipFill>
+          <p:spPr>
+            <a:xfrm>
+              <a:off x="5255304" y="1839472"/>
+              <a:ext cx="6538527" cy="3391194"/>
+            </a:xfrm>
+            <a:prstGeom prst="rect">
+              <a:avLst/>
+            </a:prstGeom>
+          </p:spPr>
+        </p:pic>
+        <p:sp>
+          <p:nvSpPr>
+            <p:cNvPr id="10" name="TextBox 9">
+              <a:extLst>
+                <a:ext uri="{FF2B5EF4-FFF2-40B4-BE49-F238E27FC236}">
+                  <a16:creationId xmlns:a16="http://schemas.microsoft.com/office/drawing/2014/main" id="{2D78D2CB-A65F-114B-FFE3-B15DDAF0BC5A}"/>
+                </a:ext>
+              </a:extLst>
+            </p:cNvPr>
+            <p:cNvSpPr txBox="1"/>
+            <p:nvPr/>
+          </p:nvSpPr>
+          <p:spPr>
+            <a:xfrm>
+              <a:off x="8529603" y="4795490"/>
+              <a:ext cx="3596167" cy="400110"/>
+            </a:xfrm>
+            <a:prstGeom prst="rect">
+              <a:avLst/>
+            </a:prstGeom>
+            <a:noFill/>
+          </p:spPr>
+          <p:txBody>
+            <a:bodyPr wrap="square" rtlCol="0" anchor="ctr">
+              <a:spAutoFit/>
+            </a:bodyPr>
+            <a:lstStyle/>
+            <a:p>
+              <a:r>
+                <a:rPr lang="en-GB" sz="2000" b="1" dirty="0">
+                  <a:highlight>
+                    <a:srgbClr val="800000"/>
+                  </a:highlight>
+                </a:rPr>
+                <a:t>EXAMPLE: Spam Classification</a:t>
+              </a:r>
+              <a:endParaRPr lang="en-DE" sz="2000" b="1" dirty="0">
+                <a:highlight>
+                  <a:srgbClr val="800000"/>
+                </a:highlight>
+              </a:endParaRPr>
+            </a:p>
+          </p:txBody>
+        </p:sp>
+      </p:grpSp>
     </p:spTree>
     <p:extLst>
       <p:ext uri="{BB962C8B-B14F-4D97-AF65-F5344CB8AC3E}">
@@ -15144,7 +17903,7 @@
         </p:blipFill>
         <p:spPr>
           <a:xfrm>
-            <a:off x="20" y="10"/>
+            <a:off x="61462" y="10"/>
             <a:ext cx="12191980" cy="6857990"/>
           </a:xfrm>
           <a:prstGeom prst="rect">
@@ -15170,13 +17929,13 @@
         </p:nvSpPr>
         <p:spPr>
           <a:xfrm>
-            <a:off x="533400" y="309221"/>
-            <a:ext cx="10515600" cy="1062459"/>
+            <a:off x="245635" y="190139"/>
+            <a:ext cx="9551807" cy="775747"/>
           </a:xfrm>
         </p:spPr>
         <p:txBody>
           <a:bodyPr vert="horz" lIns="91440" tIns="45720" rIns="91440" bIns="45720" rtlCol="0" anchor="ctr">
-            <a:normAutofit/>
+            <a:normAutofit fontScale="90000"/>
           </a:bodyPr>
           <a:lstStyle/>
           <a:p>
@@ -15187,7 +17946,7 @@
                   <a:schemeClr val="bg1"/>
                 </a:solidFill>
               </a:rPr>
-              <a:t>Bernoulli Naïve Bayes Classifier</a:t>
+              <a:t>Gaussian Naïve Bayes Classifier</a:t>
             </a:r>
           </a:p>
         </p:txBody>
@@ -15279,16 +18038,368 @@
           </a:p>
         </p:txBody>
       </p:sp>
+      <p:pic>
+        <p:nvPicPr>
+          <p:cNvPr id="10" name="Picture 9">
+            <a:extLst>
+              <a:ext uri="{FF2B5EF4-FFF2-40B4-BE49-F238E27FC236}">
+                <a16:creationId xmlns:a16="http://schemas.microsoft.com/office/drawing/2014/main" id="{AF21D4A1-9C0B-37C1-1EEB-2C139A4486C0}"/>
+              </a:ext>
+            </a:extLst>
+          </p:cNvPr>
+          <p:cNvPicPr>
+            <a:picLocks noChangeAspect="1"/>
+          </p:cNvPicPr>
+          <p:nvPr/>
+        </p:nvPicPr>
+        <p:blipFill rotWithShape="1">
+          <a:blip r:embed="rId5"/>
+          <a:srcRect r="20463"/>
+          <a:stretch/>
+        </p:blipFill>
+        <p:spPr>
+          <a:xfrm>
+            <a:off x="245635" y="1048797"/>
+            <a:ext cx="5911817" cy="5224642"/>
+          </a:xfrm>
+          <a:prstGeom prst="rect">
+            <a:avLst/>
+          </a:prstGeom>
+        </p:spPr>
+      </p:pic>
+      <p:pic>
+        <p:nvPicPr>
+          <p:cNvPr id="12" name="Picture 11">
+            <a:extLst>
+              <a:ext uri="{FF2B5EF4-FFF2-40B4-BE49-F238E27FC236}">
+                <a16:creationId xmlns:a16="http://schemas.microsoft.com/office/drawing/2014/main" id="{E5FDE56C-D9C0-7D82-4AE3-1FC6340E2B1D}"/>
+              </a:ext>
+            </a:extLst>
+          </p:cNvPr>
+          <p:cNvPicPr>
+            <a:picLocks noChangeAspect="1"/>
+          </p:cNvPicPr>
+          <p:nvPr/>
+        </p:nvPicPr>
+        <p:blipFill>
+          <a:blip r:embed="rId6"/>
+          <a:stretch>
+            <a:fillRect/>
+          </a:stretch>
+        </p:blipFill>
+        <p:spPr>
+          <a:xfrm>
+            <a:off x="6302572" y="1048797"/>
+            <a:ext cx="5789900" cy="2657964"/>
+          </a:xfrm>
+          <a:prstGeom prst="rect">
+            <a:avLst/>
+          </a:prstGeom>
+        </p:spPr>
+      </p:pic>
+      <p:pic>
+        <p:nvPicPr>
+          <p:cNvPr id="2050" name="Picture 2" descr="confusion matrix">
+            <a:extLst>
+              <a:ext uri="{FF2B5EF4-FFF2-40B4-BE49-F238E27FC236}">
+                <a16:creationId xmlns:a16="http://schemas.microsoft.com/office/drawing/2014/main" id="{4A7FD3B2-5F70-796C-7AA7-BD893A4D7C21}"/>
+              </a:ext>
+            </a:extLst>
+          </p:cNvPr>
+          <p:cNvPicPr>
+            <a:picLocks noChangeAspect="1" noChangeArrowheads="1"/>
+          </p:cNvPicPr>
+          <p:nvPr/>
+        </p:nvPicPr>
+        <p:blipFill>
+          <a:blip r:embed="rId7">
+            <a:extLst>
+              <a:ext uri="{28A0092B-C50C-407E-A947-70E740481C1C}">
+                <a14:useLocalDpi xmlns:a14="http://schemas.microsoft.com/office/drawing/2010/main" val="0"/>
+              </a:ext>
+            </a:extLst>
+          </a:blip>
+          <a:srcRect/>
+          <a:stretch>
+            <a:fillRect/>
+          </a:stretch>
+        </p:blipFill>
+        <p:spPr bwMode="auto">
+          <a:xfrm>
+            <a:off x="2953403" y="4423017"/>
+            <a:ext cx="3055511" cy="1718725"/>
+          </a:xfrm>
+          <a:prstGeom prst="rect">
+            <a:avLst/>
+          </a:prstGeom>
+          <a:noFill/>
+          <a:extLst>
+            <a:ext uri="{909E8E84-426E-40DD-AFC4-6F175D3DCCD1}">
+              <a14:hiddenFill xmlns:a14="http://schemas.microsoft.com/office/drawing/2010/main">
+                <a:solidFill>
+                  <a:srgbClr val="FFFFFF"/>
+                </a:solidFill>
+              </a14:hiddenFill>
+            </a:ext>
+          </a:extLst>
+        </p:spPr>
+      </p:pic>
     </p:spTree>
     <p:extLst>
       <p:ext uri="{BB962C8B-B14F-4D97-AF65-F5344CB8AC3E}">
-        <p14:creationId xmlns:p14="http://schemas.microsoft.com/office/powerpoint/2010/main" val="2557512502"/>
+        <p14:creationId xmlns:p14="http://schemas.microsoft.com/office/powerpoint/2010/main" val="1917743939"/>
       </p:ext>
     </p:extLst>
   </p:cSld>
   <p:clrMapOvr>
     <a:masterClrMapping/>
   </p:clrMapOvr>
+  <p:timing>
+    <p:tnLst>
+      <p:par>
+        <p:cTn id="1" dur="indefinite" restart="never" nodeType="tmRoot">
+          <p:childTnLst>
+            <p:seq concurrent="1" nextAc="seek">
+              <p:cTn id="2" dur="indefinite" nodeType="mainSeq">
+                <p:childTnLst>
+                  <p:par>
+                    <p:cTn id="3" fill="hold">
+                      <p:stCondLst>
+                        <p:cond delay="indefinite"/>
+                      </p:stCondLst>
+                      <p:childTnLst>
+                        <p:par>
+                          <p:cTn id="4" fill="hold">
+                            <p:stCondLst>
+                              <p:cond delay="0"/>
+                            </p:stCondLst>
+                            <p:childTnLst>
+                              <p:par>
+                                <p:cTn id="5" presetID="1" presetClass="entr" presetSubtype="0" fill="hold" nodeType="clickEffect">
+                                  <p:stCondLst>
+                                    <p:cond delay="0"/>
+                                  </p:stCondLst>
+                                  <p:childTnLst>
+                                    <p:set>
+                                      <p:cBhvr>
+                                        <p:cTn id="6" dur="1" fill="hold">
+                                          <p:stCondLst>
+                                            <p:cond delay="0"/>
+                                          </p:stCondLst>
+                                        </p:cTn>
+                                        <p:tgtEl>
+                                          <p:spTgt spid="10"/>
+                                        </p:tgtEl>
+                                        <p:attrNameLst>
+                                          <p:attrName>style.visibility</p:attrName>
+                                        </p:attrNameLst>
+                                      </p:cBhvr>
+                                      <p:to>
+                                        <p:strVal val="visible"/>
+                                      </p:to>
+                                    </p:set>
+                                  </p:childTnLst>
+                                </p:cTn>
+                              </p:par>
+                            </p:childTnLst>
+                          </p:cTn>
+                        </p:par>
+                      </p:childTnLst>
+                    </p:cTn>
+                  </p:par>
+                  <p:par>
+                    <p:cTn id="7" fill="hold">
+                      <p:stCondLst>
+                        <p:cond delay="indefinite"/>
+                      </p:stCondLst>
+                      <p:childTnLst>
+                        <p:par>
+                          <p:cTn id="8" fill="hold">
+                            <p:stCondLst>
+                              <p:cond delay="0"/>
+                            </p:stCondLst>
+                            <p:childTnLst>
+                              <p:par>
+                                <p:cTn id="9" presetID="1" presetClass="entr" presetSubtype="0" fill="hold" nodeType="clickEffect">
+                                  <p:stCondLst>
+                                    <p:cond delay="0"/>
+                                  </p:stCondLst>
+                                  <p:childTnLst>
+                                    <p:set>
+                                      <p:cBhvr>
+                                        <p:cTn id="10" dur="1" fill="hold">
+                                          <p:stCondLst>
+                                            <p:cond delay="0"/>
+                                          </p:stCondLst>
+                                        </p:cTn>
+                                        <p:tgtEl>
+                                          <p:spTgt spid="2050"/>
+                                        </p:tgtEl>
+                                        <p:attrNameLst>
+                                          <p:attrName>style.visibility</p:attrName>
+                                        </p:attrNameLst>
+                                      </p:cBhvr>
+                                      <p:to>
+                                        <p:strVal val="visible"/>
+                                      </p:to>
+                                    </p:set>
+                                  </p:childTnLst>
+                                </p:cTn>
+                              </p:par>
+                            </p:childTnLst>
+                          </p:cTn>
+                        </p:par>
+                      </p:childTnLst>
+                    </p:cTn>
+                  </p:par>
+                  <p:par>
+                    <p:cTn id="11" fill="hold">
+                      <p:stCondLst>
+                        <p:cond delay="indefinite"/>
+                      </p:stCondLst>
+                      <p:childTnLst>
+                        <p:par>
+                          <p:cTn id="12" fill="hold">
+                            <p:stCondLst>
+                              <p:cond delay="0"/>
+                            </p:stCondLst>
+                            <p:childTnLst>
+                              <p:par>
+                                <p:cTn id="13" presetID="6" presetClass="emph" presetSubtype="0" fill="hold" nodeType="clickEffect">
+                                  <p:stCondLst>
+                                    <p:cond delay="0"/>
+                                  </p:stCondLst>
+                                  <p:childTnLst>
+                                    <p:animScale>
+                                      <p:cBhvr>
+                                        <p:cTn id="14" dur="2000" fill="hold"/>
+                                        <p:tgtEl>
+                                          <p:spTgt spid="2050"/>
+                                        </p:tgtEl>
+                                      </p:cBhvr>
+                                      <p:by x="150000" y="150000"/>
+                                    </p:animScale>
+                                  </p:childTnLst>
+                                </p:cTn>
+                              </p:par>
+                            </p:childTnLst>
+                          </p:cTn>
+                        </p:par>
+                      </p:childTnLst>
+                    </p:cTn>
+                  </p:par>
+                  <p:par>
+                    <p:cTn id="15" fill="hold">
+                      <p:stCondLst>
+                        <p:cond delay="indefinite"/>
+                      </p:stCondLst>
+                      <p:childTnLst>
+                        <p:par>
+                          <p:cTn id="16" fill="hold">
+                            <p:stCondLst>
+                              <p:cond delay="0"/>
+                            </p:stCondLst>
+                            <p:childTnLst>
+                              <p:par>
+                                <p:cTn id="17" presetID="1" presetClass="exit" presetSubtype="0" fill="hold" nodeType="clickEffect">
+                                  <p:stCondLst>
+                                    <p:cond delay="0"/>
+                                  </p:stCondLst>
+                                  <p:childTnLst>
+                                    <p:set>
+                                      <p:cBhvr>
+                                        <p:cTn id="18" dur="1" fill="hold">
+                                          <p:stCondLst>
+                                            <p:cond delay="0"/>
+                                          </p:stCondLst>
+                                        </p:cTn>
+                                        <p:tgtEl>
+                                          <p:spTgt spid="2050"/>
+                                        </p:tgtEl>
+                                        <p:attrNameLst>
+                                          <p:attrName>style.visibility</p:attrName>
+                                        </p:attrNameLst>
+                                      </p:cBhvr>
+                                      <p:to>
+                                        <p:strVal val="hidden"/>
+                                      </p:to>
+                                    </p:set>
+                                  </p:childTnLst>
+                                </p:cTn>
+                              </p:par>
+                            </p:childTnLst>
+                          </p:cTn>
+                        </p:par>
+                      </p:childTnLst>
+                    </p:cTn>
+                  </p:par>
+                  <p:par>
+                    <p:cTn id="19" fill="hold">
+                      <p:stCondLst>
+                        <p:cond delay="indefinite"/>
+                      </p:stCondLst>
+                      <p:childTnLst>
+                        <p:par>
+                          <p:cTn id="20" fill="hold">
+                            <p:stCondLst>
+                              <p:cond delay="0"/>
+                            </p:stCondLst>
+                            <p:childTnLst>
+                              <p:par>
+                                <p:cTn id="21" presetID="1" presetClass="entr" presetSubtype="0" fill="hold" nodeType="clickEffect">
+                                  <p:stCondLst>
+                                    <p:cond delay="0"/>
+                                  </p:stCondLst>
+                                  <p:childTnLst>
+                                    <p:set>
+                                      <p:cBhvr>
+                                        <p:cTn id="22" dur="1" fill="hold">
+                                          <p:stCondLst>
+                                            <p:cond delay="0"/>
+                                          </p:stCondLst>
+                                        </p:cTn>
+                                        <p:tgtEl>
+                                          <p:spTgt spid="12"/>
+                                        </p:tgtEl>
+                                        <p:attrNameLst>
+                                          <p:attrName>style.visibility</p:attrName>
+                                        </p:attrNameLst>
+                                      </p:cBhvr>
+                                      <p:to>
+                                        <p:strVal val="visible"/>
+                                      </p:to>
+                                    </p:set>
+                                  </p:childTnLst>
+                                </p:cTn>
+                              </p:par>
+                            </p:childTnLst>
+                          </p:cTn>
+                        </p:par>
+                      </p:childTnLst>
+                    </p:cTn>
+                  </p:par>
+                </p:childTnLst>
+              </p:cTn>
+              <p:prevCondLst>
+                <p:cond evt="onPrev" delay="0">
+                  <p:tgtEl>
+                    <p:sldTgt/>
+                  </p:tgtEl>
+                </p:cond>
+              </p:prevCondLst>
+              <p:nextCondLst>
+                <p:cond evt="onNext" delay="0">
+                  <p:tgtEl>
+                    <p:sldTgt/>
+                  </p:tgtEl>
+                </p:cond>
+              </p:nextCondLst>
+            </p:seq>
+          </p:childTnLst>
+        </p:cTn>
+      </p:par>
+    </p:tnLst>
+  </p:timing>
 </p:sld>
 </file>
 

--- a/NaiveBayes.pptx
+++ b/NaiveBayes.pptx
@@ -6318,7 +6318,7 @@
           <a:p>
             <a:fld id="{43CB2211-52D0-4B85-A478-AB8408D75973}" type="datetimeFigureOut">
               <a:rPr lang="en-DE" smtClean="0"/>
-              <a:t>04/06/2023</a:t>
+              <a:t>08/06/2023</a:t>
             </a:fld>
             <a:endParaRPr lang="en-DE"/>
           </a:p>
@@ -11959,7 +11959,7 @@
         </p:nvSpPr>
         <p:spPr>
           <a:xfrm>
-            <a:off x="324691" y="1427696"/>
+            <a:off x="428711" y="2191528"/>
             <a:ext cx="4030019" cy="3338735"/>
           </a:xfrm>
           <a:prstGeom prst="rect">
@@ -12620,7 +12620,7 @@
         </p:blipFill>
         <p:spPr>
           <a:xfrm>
-            <a:off x="20" y="10"/>
+            <a:off x="20" y="0"/>
             <a:ext cx="12191980" cy="6857990"/>
           </a:xfrm>
           <a:prstGeom prst="rect">
@@ -12769,7 +12769,7 @@
         </p:nvSpPr>
         <p:spPr>
           <a:xfrm>
-            <a:off x="191487" y="1915048"/>
+            <a:off x="191487" y="2471775"/>
             <a:ext cx="4262751" cy="2784480"/>
           </a:xfrm>
           <a:prstGeom prst="rect">
@@ -14150,6 +14150,112 @@
   <p:clrMapOvr>
     <a:masterClrMapping/>
   </p:clrMapOvr>
+  <p:timing>
+    <p:tnLst>
+      <p:par>
+        <p:cTn id="1" dur="indefinite" restart="never" nodeType="tmRoot">
+          <p:childTnLst>
+            <p:seq concurrent="1" nextAc="seek">
+              <p:cTn id="2" dur="indefinite" nodeType="mainSeq">
+                <p:childTnLst>
+                  <p:par>
+                    <p:cTn id="3" fill="hold">
+                      <p:stCondLst>
+                        <p:cond delay="indefinite"/>
+                      </p:stCondLst>
+                      <p:childTnLst>
+                        <p:par>
+                          <p:cTn id="4" fill="hold">
+                            <p:stCondLst>
+                              <p:cond delay="0"/>
+                            </p:stCondLst>
+                            <p:childTnLst>
+                              <p:par>
+                                <p:cTn id="5" presetID="1" presetClass="entr" presetSubtype="0" fill="hold" grpId="0" nodeType="clickEffect">
+                                  <p:stCondLst>
+                                    <p:cond delay="0"/>
+                                  </p:stCondLst>
+                                  <p:childTnLst>
+                                    <p:set>
+                                      <p:cBhvr>
+                                        <p:cTn id="6" dur="1" fill="hold">
+                                          <p:stCondLst>
+                                            <p:cond delay="0"/>
+                                          </p:stCondLst>
+                                        </p:cTn>
+                                        <p:tgtEl>
+                                          <p:spTgt spid="17"/>
+                                        </p:tgtEl>
+                                        <p:attrNameLst>
+                                          <p:attrName>style.visibility</p:attrName>
+                                        </p:attrNameLst>
+                                      </p:cBhvr>
+                                      <p:to>
+                                        <p:strVal val="visible"/>
+                                      </p:to>
+                                    </p:set>
+                                  </p:childTnLst>
+                                </p:cTn>
+                              </p:par>
+                              <p:par>
+                                <p:cTn id="7" presetID="1" presetClass="entr" presetSubtype="0" fill="hold" grpId="0" nodeType="withEffect">
+                                  <p:stCondLst>
+                                    <p:cond delay="0"/>
+                                  </p:stCondLst>
+                                  <p:childTnLst>
+                                    <p:set>
+                                      <p:cBhvr>
+                                        <p:cTn id="8" dur="1" fill="hold">
+                                          <p:stCondLst>
+                                            <p:cond delay="0"/>
+                                          </p:stCondLst>
+                                        </p:cTn>
+                                        <p:tgtEl>
+                                          <p:spTgt spid="12"/>
+                                        </p:tgtEl>
+                                        <p:attrNameLst>
+                                          <p:attrName>style.visibility</p:attrName>
+                                        </p:attrNameLst>
+                                      </p:cBhvr>
+                                      <p:to>
+                                        <p:strVal val="visible"/>
+                                      </p:to>
+                                    </p:set>
+                                  </p:childTnLst>
+                                </p:cTn>
+                              </p:par>
+                            </p:childTnLst>
+                          </p:cTn>
+                        </p:par>
+                      </p:childTnLst>
+                    </p:cTn>
+                  </p:par>
+                </p:childTnLst>
+              </p:cTn>
+              <p:prevCondLst>
+                <p:cond evt="onPrev" delay="0">
+                  <p:tgtEl>
+                    <p:sldTgt/>
+                  </p:tgtEl>
+                </p:cond>
+              </p:prevCondLst>
+              <p:nextCondLst>
+                <p:cond evt="onNext" delay="0">
+                  <p:tgtEl>
+                    <p:sldTgt/>
+                  </p:tgtEl>
+                </p:cond>
+              </p:nextCondLst>
+            </p:seq>
+          </p:childTnLst>
+        </p:cTn>
+      </p:par>
+    </p:tnLst>
+    <p:bldLst>
+      <p:bldP spid="17" grpId="0"/>
+      <p:bldP spid="12" grpId="0"/>
+    </p:bldLst>
+  </p:timing>
 </p:sld>
 </file>
 
@@ -14534,6 +14640,111 @@
   <p:clrMapOvr>
     <a:masterClrMapping/>
   </p:clrMapOvr>
+  <p:timing>
+    <p:tnLst>
+      <p:par>
+        <p:cTn id="1" dur="indefinite" restart="never" nodeType="tmRoot">
+          <p:childTnLst>
+            <p:seq concurrent="1" nextAc="seek">
+              <p:cTn id="2" dur="indefinite" nodeType="mainSeq">
+                <p:childTnLst>
+                  <p:par>
+                    <p:cTn id="3" fill="hold">
+                      <p:stCondLst>
+                        <p:cond delay="indefinite"/>
+                      </p:stCondLst>
+                      <p:childTnLst>
+                        <p:par>
+                          <p:cTn id="4" fill="hold">
+                            <p:stCondLst>
+                              <p:cond delay="0"/>
+                            </p:stCondLst>
+                            <p:childTnLst>
+                              <p:par>
+                                <p:cTn id="5" presetID="1" presetClass="entr" presetSubtype="0" fill="hold" grpId="0" nodeType="clickEffect">
+                                  <p:stCondLst>
+                                    <p:cond delay="0"/>
+                                  </p:stCondLst>
+                                  <p:childTnLst>
+                                    <p:set>
+                                      <p:cBhvr>
+                                        <p:cTn id="6" dur="1" fill="hold">
+                                          <p:stCondLst>
+                                            <p:cond delay="0"/>
+                                          </p:stCondLst>
+                                        </p:cTn>
+                                        <p:tgtEl>
+                                          <p:spTgt spid="12"/>
+                                        </p:tgtEl>
+                                        <p:attrNameLst>
+                                          <p:attrName>style.visibility</p:attrName>
+                                        </p:attrNameLst>
+                                      </p:cBhvr>
+                                      <p:to>
+                                        <p:strVal val="visible"/>
+                                      </p:to>
+                                    </p:set>
+                                  </p:childTnLst>
+                                </p:cTn>
+                              </p:par>
+                              <p:par>
+                                <p:cTn id="7" presetID="1" presetClass="entr" presetSubtype="0" fill="hold" nodeType="withEffect">
+                                  <p:stCondLst>
+                                    <p:cond delay="0"/>
+                                  </p:stCondLst>
+                                  <p:childTnLst>
+                                    <p:set>
+                                      <p:cBhvr>
+                                        <p:cTn id="8" dur="1" fill="hold">
+                                          <p:stCondLst>
+                                            <p:cond delay="0"/>
+                                          </p:stCondLst>
+                                        </p:cTn>
+                                        <p:tgtEl>
+                                          <p:spTgt spid="11"/>
+                                        </p:tgtEl>
+                                        <p:attrNameLst>
+                                          <p:attrName>style.visibility</p:attrName>
+                                        </p:attrNameLst>
+                                      </p:cBhvr>
+                                      <p:to>
+                                        <p:strVal val="visible"/>
+                                      </p:to>
+                                    </p:set>
+                                  </p:childTnLst>
+                                </p:cTn>
+                              </p:par>
+                            </p:childTnLst>
+                          </p:cTn>
+                        </p:par>
+                      </p:childTnLst>
+                    </p:cTn>
+                  </p:par>
+                </p:childTnLst>
+              </p:cTn>
+              <p:prevCondLst>
+                <p:cond evt="onPrev" delay="0">
+                  <p:tgtEl>
+                    <p:sldTgt/>
+                  </p:tgtEl>
+                </p:cond>
+              </p:prevCondLst>
+              <p:nextCondLst>
+                <p:cond evt="onNext" delay="0">
+                  <p:tgtEl>
+                    <p:sldTgt/>
+                  </p:tgtEl>
+                </p:cond>
+              </p:nextCondLst>
+            </p:seq>
+          </p:childTnLst>
+        </p:cTn>
+      </p:par>
+    </p:tnLst>
+    <p:bldLst>
+      <p:bldP spid="12" grpId="0"/>
+    </p:bldLst>
+  </p:timing>
 </p:sld>
 </file>
 
